--- a/files/resume.pptx
+++ b/files/resume.pptx
@@ -3378,7 +3378,7 @@
                 <a:ea typeface="Lucida Sans" charset="0"/>
                 <a:cs typeface="Lucida Sans" charset="0"/>
               </a:rPr>
-              <a:t>www.hantaowang.me</a:t>
+              <a:t>hantaowang.github.io</a:t>
             </a:r>
             <a:r>
               <a:rPr lang="en-US" sz="1200" dirty="0">
@@ -3533,7 +3533,7 @@
         <p:spPr>
           <a:xfrm>
             <a:off x="185646" y="1175109"/>
-            <a:ext cx="6114052" cy="8010398"/>
+            <a:ext cx="6114052" cy="8342797"/>
           </a:xfrm>
           <a:prstGeom prst="rect">
             <a:avLst/>
@@ -3640,7 +3640,23 @@
                 <a:ea typeface="Lucida Sans" charset="0"/>
                 <a:cs typeface="Lucida Sans" charset="0"/>
               </a:rPr>
-              <a:t>artificial intelligence and distributed network systems.</a:t>
+              <a:t>artificial intelligence and distributed network systems. Please visit my website at </a:t>
+            </a:r>
+            <a:r>
+              <a:rPr lang="en-US" sz="900" dirty="0" err="1" smtClean="0">
+                <a:latin typeface="Lucida Sans" charset="0"/>
+                <a:ea typeface="Lucida Sans" charset="0"/>
+                <a:cs typeface="Lucida Sans" charset="0"/>
+              </a:rPr>
+              <a:t>hantaowang.github.io</a:t>
+            </a:r>
+            <a:r>
+              <a:rPr lang="en-US" sz="900" dirty="0" smtClean="0">
+                <a:latin typeface="Lucida Sans" charset="0"/>
+                <a:ea typeface="Lucida Sans" charset="0"/>
+                <a:cs typeface="Lucida Sans" charset="0"/>
+              </a:rPr>
+              <a:t>.</a:t>
             </a:r>
           </a:p>
           <a:p>
@@ -4388,7 +4404,23 @@
                 <a:ea typeface="Lucida Sans" charset="0"/>
                 <a:cs typeface="Lucida Sans" charset="0"/>
               </a:rPr>
-              <a:t>A data structures and algorithms focused maps web app that allows users to interact with a map of Berkeley. Includes features such as routing, autocomplete, searching, and map </a:t>
+              <a:t>A data structures and algorithms focused Google Maps </a:t>
+            </a:r>
+            <a:r>
+              <a:rPr lang="en-US" sz="900" dirty="0" err="1" smtClean="0">
+                <a:latin typeface="Lucida Sans" charset="0"/>
+                <a:ea typeface="Lucida Sans" charset="0"/>
+                <a:cs typeface="Lucida Sans" charset="0"/>
+              </a:rPr>
+              <a:t>esque</a:t>
+            </a:r>
+            <a:r>
+              <a:rPr lang="en-US" sz="900" dirty="0" smtClean="0">
+                <a:latin typeface="Lucida Sans" charset="0"/>
+                <a:ea typeface="Lucida Sans" charset="0"/>
+                <a:cs typeface="Lucida Sans" charset="0"/>
+              </a:rPr>
+              <a:t> web app that allows users to interact with a map of Berkeley. Includes features such as zooming, routing, autocomplete, location searching, and map </a:t>
             </a:r>
             <a:r>
               <a:rPr lang="en-US" sz="900" dirty="0" err="1" smtClean="0">

--- a/files/resume.pptx
+++ b/files/resume.pptx
@@ -109,7 +109,7 @@
   </p:defaultTextStyle>
   <p:extLst>
     <p:ext uri="{EFAFB233-063F-42B5-8137-9DF3F51BA10A}">
-      <p15:sldGuideLst xmlns:p15="http://schemas.microsoft.com/office/powerpoint/2012/main"/>
+      <p15:sldGuideLst xmlns="" xmlns:p15="http://schemas.microsoft.com/office/powerpoint/2012/main"/>
     </p:ext>
   </p:extLst>
 </p:presentation>
@@ -197,7 +197,7 @@
           <a:p>
             <a:fld id="{5EE9A4F7-1A22-1744-9935-DCEFD2F601E8}" type="datetimeFigureOut">
               <a:rPr lang="en-US" smtClean="0"/>
-              <a:t>6/13/17</a:t>
+              <a:t>9/13/17</a:t>
             </a:fld>
             <a:endParaRPr lang="en-US"/>
           </a:p>
@@ -680,7 +680,7 @@
           <a:p>
             <a:fld id="{0AE1F7CC-2E77-F54C-B79D-D1014779F13F}" type="datetimeFigureOut">
               <a:rPr lang="en-US" smtClean="0"/>
-              <a:t>6/13/17</a:t>
+              <a:t>9/13/17</a:t>
             </a:fld>
             <a:endParaRPr lang="en-US"/>
           </a:p>
@@ -845,7 +845,7 @@
           <a:p>
             <a:fld id="{0AE1F7CC-2E77-F54C-B79D-D1014779F13F}" type="datetimeFigureOut">
               <a:rPr lang="en-US" smtClean="0"/>
-              <a:t>6/13/17</a:t>
+              <a:t>9/13/17</a:t>
             </a:fld>
             <a:endParaRPr lang="en-US"/>
           </a:p>
@@ -1020,7 +1020,7 @@
           <a:p>
             <a:fld id="{0AE1F7CC-2E77-F54C-B79D-D1014779F13F}" type="datetimeFigureOut">
               <a:rPr lang="en-US" smtClean="0"/>
-              <a:t>6/13/17</a:t>
+              <a:t>9/13/17</a:t>
             </a:fld>
             <a:endParaRPr lang="en-US"/>
           </a:p>
@@ -1185,7 +1185,7 @@
           <a:p>
             <a:fld id="{0AE1F7CC-2E77-F54C-B79D-D1014779F13F}" type="datetimeFigureOut">
               <a:rPr lang="en-US" smtClean="0"/>
-              <a:t>6/13/17</a:t>
+              <a:t>9/13/17</a:t>
             </a:fld>
             <a:endParaRPr lang="en-US"/>
           </a:p>
@@ -1424,7 +1424,7 @@
           <a:p>
             <a:fld id="{0AE1F7CC-2E77-F54C-B79D-D1014779F13F}" type="datetimeFigureOut">
               <a:rPr lang="en-US" smtClean="0"/>
-              <a:t>6/13/17</a:t>
+              <a:t>9/13/17</a:t>
             </a:fld>
             <a:endParaRPr lang="en-US"/>
           </a:p>
@@ -1651,7 +1651,7 @@
           <a:p>
             <a:fld id="{0AE1F7CC-2E77-F54C-B79D-D1014779F13F}" type="datetimeFigureOut">
               <a:rPr lang="en-US" smtClean="0"/>
-              <a:t>6/13/17</a:t>
+              <a:t>9/13/17</a:t>
             </a:fld>
             <a:endParaRPr lang="en-US"/>
           </a:p>
@@ -2013,7 +2013,7 @@
           <a:p>
             <a:fld id="{0AE1F7CC-2E77-F54C-B79D-D1014779F13F}" type="datetimeFigureOut">
               <a:rPr lang="en-US" smtClean="0"/>
-              <a:t>6/13/17</a:t>
+              <a:t>9/13/17</a:t>
             </a:fld>
             <a:endParaRPr lang="en-US"/>
           </a:p>
@@ -2126,7 +2126,7 @@
           <a:p>
             <a:fld id="{0AE1F7CC-2E77-F54C-B79D-D1014779F13F}" type="datetimeFigureOut">
               <a:rPr lang="en-US" smtClean="0"/>
-              <a:t>6/13/17</a:t>
+              <a:t>9/13/17</a:t>
             </a:fld>
             <a:endParaRPr lang="en-US"/>
           </a:p>
@@ -2216,7 +2216,7 @@
           <a:p>
             <a:fld id="{0AE1F7CC-2E77-F54C-B79D-D1014779F13F}" type="datetimeFigureOut">
               <a:rPr lang="en-US" smtClean="0"/>
-              <a:t>6/13/17</a:t>
+              <a:t>9/13/17</a:t>
             </a:fld>
             <a:endParaRPr lang="en-US"/>
           </a:p>
@@ -2488,7 +2488,7 @@
           <a:p>
             <a:fld id="{0AE1F7CC-2E77-F54C-B79D-D1014779F13F}" type="datetimeFigureOut">
               <a:rPr lang="en-US" smtClean="0"/>
-              <a:t>6/13/17</a:t>
+              <a:t>9/13/17</a:t>
             </a:fld>
             <a:endParaRPr lang="en-US"/>
           </a:p>
@@ -2740,7 +2740,7 @@
           <a:p>
             <a:fld id="{0AE1F7CC-2E77-F54C-B79D-D1014779F13F}" type="datetimeFigureOut">
               <a:rPr lang="en-US" smtClean="0"/>
-              <a:t>6/13/17</a:t>
+              <a:t>9/13/17</a:t>
             </a:fld>
             <a:endParaRPr lang="en-US"/>
           </a:p>
@@ -2948,7 +2948,7 @@
           <a:p>
             <a:fld id="{0AE1F7CC-2E77-F54C-B79D-D1014779F13F}" type="datetimeFigureOut">
               <a:rPr lang="en-US" smtClean="0"/>
-              <a:t>6/13/17</a:t>
+              <a:t>9/13/17</a:t>
             </a:fld>
             <a:endParaRPr lang="en-US"/>
           </a:p>
@@ -3361,7 +3361,7 @@
         </p:nvSpPr>
         <p:spPr>
           <a:xfrm>
-            <a:off x="137160" y="213796"/>
+            <a:off x="70725" y="-69914"/>
             <a:ext cx="3489960" cy="768096"/>
           </a:xfrm>
           <a:prstGeom prst="rect">
@@ -3410,7 +3410,7 @@
         </p:nvSpPr>
         <p:spPr>
           <a:xfrm>
-            <a:off x="3627120" y="263357"/>
+            <a:off x="3627120" y="-20353"/>
             <a:ext cx="2910840" cy="646331"/>
           </a:xfrm>
           <a:prstGeom prst="rect">
@@ -3471,103 +3471,363 @@
           </a:p>
         </p:txBody>
       </p:sp>
-      <p:sp>
-        <p:nvSpPr>
-          <p:cNvPr id="6" name="TextBox 5"/>
-          <p:cNvSpPr txBox="1"/>
+      <p:grpSp>
+        <p:nvGrpSpPr>
+          <p:cNvPr id="8" name="Group 7"/>
+          <p:cNvGrpSpPr/>
           <p:nvPr/>
-        </p:nvSpPr>
-        <p:spPr>
+        </p:nvGrpSpPr>
+        <p:grpSpPr>
           <a:xfrm>
-            <a:off x="137157" y="898192"/>
-            <a:ext cx="1991563" cy="369332"/>
+            <a:off x="70725" y="604426"/>
+            <a:ext cx="6785743" cy="1427505"/>
+            <a:chOff x="74618" y="604426"/>
+            <a:chExt cx="6388198" cy="1427505"/>
           </a:xfrm>
-          <a:prstGeom prst="rect">
-            <a:avLst/>
-          </a:prstGeom>
-          <a:noFill/>
-          <a:ln>
+        </p:grpSpPr>
+        <p:sp>
+          <p:nvSpPr>
+            <p:cNvPr id="6" name="TextBox 5"/>
+            <p:cNvSpPr txBox="1"/>
+            <p:nvPr/>
+          </p:nvSpPr>
+          <p:spPr>
+            <a:xfrm>
+              <a:off x="74618" y="604426"/>
+              <a:ext cx="1991563" cy="369332"/>
+            </a:xfrm>
+            <a:prstGeom prst="rect">
+              <a:avLst/>
+            </a:prstGeom>
             <a:noFill/>
-          </a:ln>
-        </p:spPr>
-        <p:txBody>
-          <a:bodyPr wrap="square" rtlCol="0" anchor="b">
-            <a:spAutoFit/>
-          </a:bodyPr>
-          <a:lstStyle/>
-          <a:p>
-            <a:r>
-              <a:rPr lang="en-US" dirty="0" smtClean="0">
-                <a:latin typeface="Avenir Light" charset="0"/>
-                <a:ea typeface="Avenir Light" charset="0"/>
-                <a:cs typeface="Avenir Light" charset="0"/>
-              </a:rPr>
-              <a:t>EDUCATION</a:t>
-            </a:r>
-            <a:endParaRPr lang="en-US" dirty="0">
-              <a:latin typeface="Avenir Light" charset="0"/>
-              <a:ea typeface="Avenir Light" charset="0"/>
-              <a:cs typeface="Avenir Light" charset="0"/>
-            </a:endParaRPr>
-          </a:p>
-        </p:txBody>
-      </p:sp>
-      <p:sp>
-        <p:nvSpPr>
-          <p:cNvPr id="7" name="TextBox 6"/>
-          <p:cNvSpPr txBox="1"/>
-          <p:nvPr/>
-        </p:nvSpPr>
-        <p:spPr>
-          <a:xfrm>
-            <a:off x="1567542" y="1207645"/>
-            <a:ext cx="4896338" cy="553998"/>
-          </a:xfrm>
-          <a:prstGeom prst="rect">
-            <a:avLst/>
-          </a:prstGeom>
-          <a:noFill/>
-          <a:ln>
+            <a:ln>
+              <a:noFill/>
+            </a:ln>
+          </p:spPr>
+          <p:txBody>
+            <a:bodyPr wrap="square" rtlCol="0" anchor="b">
+              <a:spAutoFit/>
+            </a:bodyPr>
+            <a:lstStyle/>
+            <a:p>
+              <a:r>
+                <a:rPr lang="en-US" dirty="0" smtClean="0">
+                  <a:latin typeface="Avenir Light" charset="0"/>
+                  <a:ea typeface="Avenir Light" charset="0"/>
+                  <a:cs typeface="Avenir Light" charset="0"/>
+                </a:rPr>
+                <a:t>EDUCATION</a:t>
+              </a:r>
+              <a:endParaRPr lang="en-US" dirty="0">
+                <a:latin typeface="Avenir Light" charset="0"/>
+                <a:ea typeface="Avenir Light" charset="0"/>
+                <a:cs typeface="Avenir Light" charset="0"/>
+              </a:endParaRPr>
+            </a:p>
+          </p:txBody>
+        </p:sp>
+        <p:sp>
+          <p:nvSpPr>
+            <p:cNvPr id="7" name="TextBox 6"/>
+            <p:cNvSpPr txBox="1"/>
+            <p:nvPr/>
+          </p:nvSpPr>
+          <p:spPr>
+            <a:xfrm>
+              <a:off x="1482656" y="625978"/>
+              <a:ext cx="4980160" cy="861774"/>
+            </a:xfrm>
+            <a:prstGeom prst="rect">
+              <a:avLst/>
+            </a:prstGeom>
             <a:noFill/>
-          </a:ln>
-        </p:spPr>
-        <p:txBody>
-          <a:bodyPr wrap="square" rtlCol="0" anchor="b">
-            <a:spAutoFit/>
-          </a:bodyPr>
-          <a:lstStyle/>
-          <a:p>
-            <a:r>
-              <a:rPr lang="en-US" sz="1000" dirty="0" smtClean="0">
-                <a:latin typeface="Avenir Black" charset="0"/>
-                <a:ea typeface="Avenir Black" charset="0"/>
-                <a:cs typeface="Avenir Black" charset="0"/>
-              </a:rPr>
-              <a:t>University of California, Berkeley</a:t>
-            </a:r>
-          </a:p>
-          <a:p>
-            <a:r>
-              <a:rPr lang="en-US" sz="1000" dirty="0" smtClean="0">
-                <a:latin typeface="Avenir Light" charset="0"/>
-                <a:ea typeface="Avenir Light" charset="0"/>
-                <a:cs typeface="Avenir Light" charset="0"/>
-              </a:rPr>
-              <a:t>B.S. Electrical Engineering and Computer Science</a:t>
-            </a:r>
-          </a:p>
-          <a:p>
-            <a:r>
-              <a:rPr lang="en-US" sz="1000" dirty="0" smtClean="0">
-                <a:latin typeface="Avenir Light" charset="0"/>
-                <a:ea typeface="Avenir Light" charset="0"/>
-                <a:cs typeface="Avenir Light" charset="0"/>
-              </a:rPr>
-              <a:t>Overall GPA: 3.72	Major GPA: 3.93</a:t>
-            </a:r>
-          </a:p>
-        </p:txBody>
-      </p:sp>
+            <a:ln>
+              <a:noFill/>
+            </a:ln>
+          </p:spPr>
+          <p:txBody>
+            <a:bodyPr wrap="square" rtlCol="0" anchor="b">
+              <a:spAutoFit/>
+            </a:bodyPr>
+            <a:lstStyle/>
+            <a:p>
+              <a:r>
+                <a:rPr lang="en-US" sz="1000" dirty="0" smtClean="0">
+                  <a:latin typeface="Avenir Black" charset="0"/>
+                  <a:ea typeface="Avenir Black" charset="0"/>
+                  <a:cs typeface="Avenir Black" charset="0"/>
+                </a:rPr>
+                <a:t>University of California, Berkeley</a:t>
+              </a:r>
+            </a:p>
+            <a:p>
+              <a:r>
+                <a:rPr lang="en-US" sz="1000" dirty="0" smtClean="0">
+                  <a:latin typeface="Avenir Light" charset="0"/>
+                  <a:ea typeface="Avenir Light" charset="0"/>
+                  <a:cs typeface="Avenir Light" charset="0"/>
+                </a:rPr>
+                <a:t>B.S. Electrical Engineering and Computer Science</a:t>
+              </a:r>
+            </a:p>
+            <a:p>
+              <a:r>
+                <a:rPr lang="en-US" sz="1000" dirty="0" smtClean="0">
+                  <a:latin typeface="Avenir Light" charset="0"/>
+                  <a:ea typeface="Avenir Light" charset="0"/>
+                  <a:cs typeface="Avenir Light" charset="0"/>
+                </a:rPr>
+                <a:t>Overall GPA: 3.78	Major GPA: 4.00</a:t>
+              </a:r>
+            </a:p>
+            <a:p>
+              <a:r>
+                <a:rPr lang="en-US" sz="1000" dirty="0" smtClean="0">
+                  <a:latin typeface="Avenir Light" charset="0"/>
+                  <a:ea typeface="Avenir Light" charset="0"/>
+                  <a:cs typeface="Avenir Light" charset="0"/>
+                </a:rPr>
+                <a:t>Completed: CS61B Data Structures, CS 70 Discrete Math &amp; </a:t>
+              </a:r>
+              <a:r>
+                <a:rPr lang="en-US" sz="1000" dirty="0" err="1" smtClean="0">
+                  <a:latin typeface="Avenir Light" charset="0"/>
+                  <a:ea typeface="Avenir Light" charset="0"/>
+                  <a:cs typeface="Avenir Light" charset="0"/>
+                </a:rPr>
+                <a:t>Prob</a:t>
+              </a:r>
+              <a:r>
+                <a:rPr lang="en-US" sz="1000" dirty="0" smtClean="0">
+                  <a:latin typeface="Avenir Light" charset="0"/>
+                  <a:ea typeface="Avenir Light" charset="0"/>
+                  <a:cs typeface="Avenir Light" charset="0"/>
+                </a:rPr>
+                <a:t>, CS198 Web Design,</a:t>
+              </a:r>
+            </a:p>
+            <a:p>
+              <a:r>
+                <a:rPr lang="en-US" sz="1000" dirty="0" smtClean="0">
+                  <a:latin typeface="Avenir Light" charset="0"/>
+                  <a:ea typeface="Avenir Light" charset="0"/>
+                  <a:cs typeface="Avenir Light" charset="0"/>
+                </a:rPr>
+                <a:t>In Progress</a:t>
+              </a:r>
+              <a:r>
+                <a:rPr lang="en-US" sz="1000" dirty="0">
+                  <a:latin typeface="Avenir Light" charset="0"/>
+                  <a:ea typeface="Avenir Light" charset="0"/>
+                  <a:cs typeface="Avenir Light" charset="0"/>
+                </a:rPr>
+                <a:t>: CS170 </a:t>
+              </a:r>
+              <a:r>
+                <a:rPr lang="en-US" sz="1000" dirty="0" smtClean="0">
+                  <a:latin typeface="Avenir Light" charset="0"/>
+                  <a:ea typeface="Avenir Light" charset="0"/>
+                  <a:cs typeface="Avenir Light" charset="0"/>
+                </a:rPr>
+                <a:t>Algorithms, </a:t>
+              </a:r>
+              <a:r>
+                <a:rPr lang="en-US" sz="1000" dirty="0">
+                  <a:latin typeface="Avenir Light" charset="0"/>
+                  <a:ea typeface="Avenir Light" charset="0"/>
+                  <a:cs typeface="Avenir Light" charset="0"/>
+                </a:rPr>
+                <a:t>CS168 Internet </a:t>
+              </a:r>
+              <a:r>
+                <a:rPr lang="en-US" sz="1000" dirty="0" smtClean="0">
+                  <a:latin typeface="Avenir Light" charset="0"/>
+                  <a:ea typeface="Avenir Light" charset="0"/>
+                  <a:cs typeface="Avenir Light" charset="0"/>
+                </a:rPr>
+                <a:t>Architecture, CS61C Computer Architecture</a:t>
+              </a:r>
+            </a:p>
+          </p:txBody>
+        </p:sp>
+        <p:sp>
+          <p:nvSpPr>
+            <p:cNvPr id="13" name="TextBox 12"/>
+            <p:cNvSpPr txBox="1"/>
+            <p:nvPr/>
+          </p:nvSpPr>
+          <p:spPr>
+            <a:xfrm>
+              <a:off x="1483018" y="1477933"/>
+              <a:ext cx="4896338" cy="553998"/>
+            </a:xfrm>
+            <a:prstGeom prst="rect">
+              <a:avLst/>
+            </a:prstGeom>
+            <a:noFill/>
+            <a:ln>
+              <a:noFill/>
+            </a:ln>
+          </p:spPr>
+          <p:txBody>
+            <a:bodyPr wrap="square" rtlCol="0" anchor="b">
+              <a:spAutoFit/>
+            </a:bodyPr>
+            <a:lstStyle/>
+            <a:p>
+              <a:r>
+                <a:rPr lang="en-US" sz="1000" dirty="0" smtClean="0">
+                  <a:latin typeface="Avenir Black" charset="0"/>
+                  <a:ea typeface="Avenir Black" charset="0"/>
+                  <a:cs typeface="Avenir Black" charset="0"/>
+                </a:rPr>
+                <a:t>California State University, Dominguez Hills</a:t>
+              </a:r>
+            </a:p>
+            <a:p>
+              <a:r>
+                <a:rPr lang="en-US" sz="1000" dirty="0" smtClean="0">
+                  <a:latin typeface="Avenir Light" charset="0"/>
+                  <a:ea typeface="Avenir Light" charset="0"/>
+                  <a:cs typeface="Avenir Light" charset="0"/>
+                </a:rPr>
+                <a:t>High School Concurrent Enrollment</a:t>
+              </a:r>
+            </a:p>
+            <a:p>
+              <a:r>
+                <a:rPr lang="en-US" sz="1000" dirty="0">
+                  <a:latin typeface="Avenir Light" charset="0"/>
+                  <a:ea typeface="Avenir Light" charset="0"/>
+                  <a:cs typeface="Avenir Light" charset="0"/>
+                </a:rPr>
+                <a:t>Overall GPA: </a:t>
+              </a:r>
+              <a:r>
+                <a:rPr lang="en-US" sz="1000" dirty="0" smtClean="0">
+                  <a:latin typeface="Avenir Light" charset="0"/>
+                  <a:ea typeface="Avenir Light" charset="0"/>
+                  <a:cs typeface="Avenir Light" charset="0"/>
+                </a:rPr>
+                <a:t>3.93</a:t>
+              </a:r>
+              <a:endParaRPr lang="en-US" sz="1000" dirty="0">
+                <a:latin typeface="Avenir Light" charset="0"/>
+                <a:ea typeface="Avenir Light" charset="0"/>
+                <a:cs typeface="Avenir Light" charset="0"/>
+              </a:endParaRPr>
+            </a:p>
+          </p:txBody>
+        </p:sp>
+        <p:sp>
+          <p:nvSpPr>
+            <p:cNvPr id="14" name="TextBox 13"/>
+            <p:cNvSpPr txBox="1"/>
+            <p:nvPr/>
+          </p:nvSpPr>
+          <p:spPr>
+            <a:xfrm>
+              <a:off x="74618" y="951408"/>
+              <a:ext cx="1430383" cy="338554"/>
+            </a:xfrm>
+            <a:prstGeom prst="rect">
+              <a:avLst/>
+            </a:prstGeom>
+            <a:noFill/>
+            <a:ln>
+              <a:noFill/>
+            </a:ln>
+          </p:spPr>
+          <p:txBody>
+            <a:bodyPr wrap="square" rtlCol="0" anchor="b">
+              <a:spAutoFit/>
+            </a:bodyPr>
+            <a:lstStyle/>
+            <a:p>
+              <a:r>
+                <a:rPr lang="en-US" sz="800" dirty="0" smtClean="0">
+                  <a:latin typeface="Avenir Light" charset="0"/>
+                  <a:ea typeface="Avenir Light" charset="0"/>
+                  <a:cs typeface="Avenir Light" charset="0"/>
+                </a:rPr>
+                <a:t>Berkeley, California</a:t>
+              </a:r>
+            </a:p>
+            <a:p>
+              <a:r>
+                <a:rPr lang="en-US" sz="800" dirty="0" smtClean="0">
+                  <a:latin typeface="Avenir Light" charset="0"/>
+                  <a:ea typeface="Avenir Light" charset="0"/>
+                  <a:cs typeface="Avenir Light" charset="0"/>
+                </a:rPr>
+                <a:t>August 2016 to May 2020</a:t>
+              </a:r>
+            </a:p>
+          </p:txBody>
+        </p:sp>
+        <p:sp>
+          <p:nvSpPr>
+            <p:cNvPr id="15" name="TextBox 14"/>
+            <p:cNvSpPr txBox="1"/>
+            <p:nvPr/>
+          </p:nvSpPr>
+          <p:spPr>
+            <a:xfrm>
+              <a:off x="74618" y="1513695"/>
+              <a:ext cx="1430383" cy="338554"/>
+            </a:xfrm>
+            <a:prstGeom prst="rect">
+              <a:avLst/>
+            </a:prstGeom>
+            <a:noFill/>
+            <a:ln>
+              <a:noFill/>
+            </a:ln>
+          </p:spPr>
+          <p:txBody>
+            <a:bodyPr wrap="square" rtlCol="0" anchor="b">
+              <a:spAutoFit/>
+            </a:bodyPr>
+            <a:lstStyle/>
+            <a:p>
+              <a:r>
+                <a:rPr lang="en-US" sz="800" dirty="0" smtClean="0">
+                  <a:latin typeface="Avenir Light" charset="0"/>
+                  <a:ea typeface="Avenir Light" charset="0"/>
+                  <a:cs typeface="Avenir Light" charset="0"/>
+                </a:rPr>
+                <a:t>Carson, California</a:t>
+              </a:r>
+            </a:p>
+            <a:p>
+              <a:r>
+                <a:rPr lang="en-US" sz="800" dirty="0" smtClean="0">
+                  <a:latin typeface="Avenir Light" charset="0"/>
+                  <a:ea typeface="Avenir Light" charset="0"/>
+                  <a:cs typeface="Avenir Light" charset="0"/>
+                </a:rPr>
+                <a:t>June 2013 </a:t>
+              </a:r>
+              <a:r>
+                <a:rPr lang="mr-IN" sz="800" dirty="0" smtClean="0">
+                  <a:latin typeface="Avenir Light" charset="0"/>
+                  <a:ea typeface="Avenir Light" charset="0"/>
+                  <a:cs typeface="Avenir Light" charset="0"/>
+                </a:rPr>
+                <a:t>–</a:t>
+              </a:r>
+              <a:r>
+                <a:rPr lang="en-US" sz="800" dirty="0" smtClean="0">
+                  <a:latin typeface="Avenir Light" charset="0"/>
+                  <a:ea typeface="Avenir Light" charset="0"/>
+                  <a:cs typeface="Avenir Light" charset="0"/>
+                </a:rPr>
+                <a:t> May 2016</a:t>
+              </a:r>
+            </a:p>
+          </p:txBody>
+        </p:sp>
+      </p:grpSp>
       <p:sp>
         <p:nvSpPr>
           <p:cNvPr id="9" name="TextBox 8"/>
@@ -3576,7 +3836,7 @@
         </p:nvSpPr>
         <p:spPr>
           <a:xfrm>
-            <a:off x="137157" y="2319577"/>
+            <a:off x="70725" y="2022974"/>
             <a:ext cx="1671528" cy="369332"/>
           </a:xfrm>
           <a:prstGeom prst="rect">
@@ -3617,8 +3877,8 @@
         </p:nvSpPr>
         <p:spPr>
           <a:xfrm>
-            <a:off x="1567542" y="2650295"/>
-            <a:ext cx="5132196" cy="1323439"/>
+            <a:off x="1566387" y="2031931"/>
+            <a:ext cx="5132196" cy="1938992"/>
           </a:xfrm>
           <a:prstGeom prst="rect">
             <a:avLst/>
@@ -3635,6 +3895,14 @@
           <a:lstStyle/>
           <a:p>
             <a:r>
+              <a:rPr lang="en-US" sz="1000" dirty="0" smtClean="0">
+                <a:latin typeface="Avenir Black" charset="0"/>
+                <a:ea typeface="Avenir Black" charset="0"/>
+                <a:cs typeface="Avenir Black" charset="0"/>
+              </a:rPr>
+              <a:t>Network Systems (</a:t>
+            </a:r>
+            <a:r>
               <a:rPr lang="en-US" sz="1000" dirty="0" err="1" smtClean="0">
                 <a:latin typeface="Avenir Black" charset="0"/>
                 <a:ea typeface="Avenir Black" charset="0"/>
@@ -3648,7 +3916,7 @@
                 <a:ea typeface="Avenir Black" charset="0"/>
                 <a:cs typeface="Avenir Black" charset="0"/>
               </a:rPr>
-              <a:t> Laboratory, Berkeley</a:t>
+              <a:t>) Laboratory, Berkeley</a:t>
             </a:r>
           </a:p>
           <a:p>
@@ -3658,7 +3926,7 @@
                 <a:ea typeface="Avenir Light" charset="0"/>
                 <a:cs typeface="Avenir Light" charset="0"/>
               </a:rPr>
-              <a:t>Undergraduate Research Assistant</a:t>
+              <a:t>Undergraduate Researcher</a:t>
             </a:r>
           </a:p>
           <a:p>
@@ -3672,7 +3940,7 @@
                 <a:ea typeface="Avenir Light" charset="0"/>
                 <a:cs typeface="Avenir Light" charset="0"/>
               </a:rPr>
-              <a:t>Worked on </a:t>
+              <a:t>Researched the identification of resource utilization bottlenecks in a distributed system by systematically throttling container resources. Worked on </a:t>
             </a:r>
             <a:r>
               <a:rPr lang="en-US" sz="1000" dirty="0" err="1" smtClean="0">
@@ -3680,7 +3948,7 @@
                 <a:ea typeface="Avenir Light" charset="0"/>
                 <a:cs typeface="Avenir Light" charset="0"/>
               </a:rPr>
-              <a:t>Throttlebot</a:t>
+              <a:t>ThrottleBot</a:t>
             </a:r>
             <a:r>
               <a:rPr lang="en-US" sz="1000" dirty="0" smtClean="0">
@@ -3688,7 +3956,7 @@
                 <a:ea typeface="Avenir Light" charset="0"/>
                 <a:cs typeface="Avenir Light" charset="0"/>
               </a:rPr>
-              <a:t>, a Python application to identify resource utilization bottlenecks in a distributed system by systematically throttling container resources. </a:t>
+              <a:t>, a tool that completely automates this process.</a:t>
             </a:r>
           </a:p>
           <a:p>
@@ -3702,7 +3970,7 @@
                 <a:ea typeface="Avenir Light" charset="0"/>
                 <a:cs typeface="Avenir Light" charset="0"/>
               </a:rPr>
-              <a:t>Integrated </a:t>
+              <a:t>Designed, deployed, and tested popular distributed applications such as Spark Streaming, MEAN stack, and ELK stack in addition to creating custom applications using microservices such as </a:t>
             </a:r>
             <a:r>
               <a:rPr lang="en-US" sz="1000" dirty="0" err="1" smtClean="0">
@@ -3710,7 +3978,7 @@
                 <a:ea typeface="Avenir Light" charset="0"/>
                 <a:cs typeface="Avenir Light" charset="0"/>
               </a:rPr>
-              <a:t>cAdvisor</a:t>
+              <a:t>Redis</a:t>
             </a:r>
             <a:r>
               <a:rPr lang="en-US" sz="1000" dirty="0" smtClean="0">
@@ -3718,7 +3986,7 @@
                 <a:ea typeface="Avenir Light" charset="0"/>
                 <a:cs typeface="Avenir Light" charset="0"/>
               </a:rPr>
-              <a:t>, a Google container resource monitoring tool, with </a:t>
+              <a:t>, </a:t>
             </a:r>
             <a:r>
               <a:rPr lang="en-US" sz="1000" dirty="0" err="1" smtClean="0">
@@ -3726,7 +3994,7 @@
                 <a:ea typeface="Avenir Light" charset="0"/>
                 <a:cs typeface="Avenir Light" charset="0"/>
               </a:rPr>
-              <a:t>Throttlebot</a:t>
+              <a:t>etcd</a:t>
             </a:r>
             <a:r>
               <a:rPr lang="en-US" sz="1000" dirty="0" smtClean="0">
@@ -3734,7 +4002,15 @@
                 <a:ea typeface="Avenir Light" charset="0"/>
                 <a:cs typeface="Avenir Light" charset="0"/>
               </a:rPr>
-              <a:t> and the container orchestrator Quilt to </a:t>
+              <a:t>, Spark, </a:t>
+            </a:r>
+            <a:r>
+              <a:rPr lang="en-US" sz="1000" dirty="0" err="1" smtClean="0">
+                <a:latin typeface="Avenir Light" charset="0"/>
+                <a:ea typeface="Avenir Light" charset="0"/>
+                <a:cs typeface="Avenir Light" charset="0"/>
+              </a:rPr>
+              <a:t>Nginx</a:t>
             </a:r>
             <a:r>
               <a:rPr lang="en-US" sz="1000" dirty="0" smtClean="0">
@@ -3742,7 +4018,15 @@
                 <a:ea typeface="Avenir Light" charset="0"/>
                 <a:cs typeface="Avenir Light" charset="0"/>
               </a:rPr>
-              <a:t>measure and </a:t>
+              <a:t>, </a:t>
+            </a:r>
+            <a:r>
+              <a:rPr lang="en-US" sz="1000" dirty="0" err="1" smtClean="0">
+                <a:latin typeface="Avenir Light" charset="0"/>
+                <a:ea typeface="Avenir Light" charset="0"/>
+                <a:cs typeface="Avenir Light" charset="0"/>
+              </a:rPr>
+              <a:t>Django</a:t>
             </a:r>
             <a:r>
               <a:rPr lang="en-US" sz="1000" dirty="0" smtClean="0">
@@ -3750,7 +4034,7 @@
                 <a:ea typeface="Avenir Light" charset="0"/>
                 <a:cs typeface="Avenir Light" charset="0"/>
               </a:rPr>
-              <a:t>model container resource utilization data.</a:t>
+              <a:t>, etc.</a:t>
             </a:r>
           </a:p>
           <a:p>
@@ -3764,7 +4048,7 @@
                 <a:ea typeface="Avenir Light" charset="0"/>
                 <a:cs typeface="Avenir Light" charset="0"/>
               </a:rPr>
-              <a:t>Co-authored a research paper on the theory, effectiveness, and uses of </a:t>
+              <a:t>Created </a:t>
             </a:r>
             <a:r>
               <a:rPr lang="en-US" sz="1000" dirty="0" err="1" smtClean="0">
@@ -3772,7 +4056,7 @@
                 <a:ea typeface="Avenir Light" charset="0"/>
                 <a:cs typeface="Avenir Light" charset="0"/>
               </a:rPr>
-              <a:t>Throttlebot</a:t>
+              <a:t>cmetrics</a:t>
             </a:r>
             <a:r>
               <a:rPr lang="en-US" sz="1000" dirty="0" smtClean="0">
@@ -3780,26 +4064,99 @@
                 <a:ea typeface="Avenir Light" charset="0"/>
                 <a:cs typeface="Avenir Light" charset="0"/>
               </a:rPr>
-              <a:t>. </a:t>
-            </a:r>
-            <a:endParaRPr lang="en-US" sz="1000" dirty="0">
-              <a:latin typeface="Avenir Light" charset="0"/>
-              <a:ea typeface="Avenir Light" charset="0"/>
-              <a:cs typeface="Avenir Light" charset="0"/>
-            </a:endParaRPr>
-          </a:p>
-        </p:txBody>
-      </p:sp>
-      <p:sp>
-        <p:nvSpPr>
-          <p:cNvPr id="13" name="TextBox 12"/>
+              <a:t>, a distributed resource utilization application that monitors, logs, and plots </a:t>
+            </a:r>
+            <a:r>
+              <a:rPr lang="en-US" sz="1000" dirty="0" err="1" smtClean="0">
+                <a:latin typeface="Avenir Light" charset="0"/>
+                <a:ea typeface="Avenir Light" charset="0"/>
+                <a:cs typeface="Avenir Light" charset="0"/>
+              </a:rPr>
+              <a:t>cpu</a:t>
+            </a:r>
+            <a:r>
+              <a:rPr lang="en-US" sz="1000" dirty="0" smtClean="0">
+                <a:latin typeface="Avenir Light" charset="0"/>
+                <a:ea typeface="Avenir Light" charset="0"/>
+                <a:cs typeface="Avenir Light" charset="0"/>
+              </a:rPr>
+              <a:t>, network, memory, </a:t>
+            </a:r>
+            <a:r>
+              <a:rPr lang="en-US" sz="1000" dirty="0" err="1" smtClean="0">
+                <a:latin typeface="Avenir Light" charset="0"/>
+                <a:ea typeface="Avenir Light" charset="0"/>
+                <a:cs typeface="Avenir Light" charset="0"/>
+              </a:rPr>
+              <a:t>etc</a:t>
+            </a:r>
+            <a:r>
+              <a:rPr lang="en-US" sz="1000" dirty="0" smtClean="0">
+                <a:latin typeface="Avenir Light" charset="0"/>
+                <a:ea typeface="Avenir Light" charset="0"/>
+                <a:cs typeface="Avenir Light" charset="0"/>
+              </a:rPr>
+              <a:t> used by each container on a system</a:t>
+            </a:r>
+          </a:p>
+          <a:p>
+            <a:pPr marL="171450" indent="-171450">
+              <a:buFont typeface="Arial" charset="0"/>
+              <a:buChar char="•"/>
+            </a:pPr>
+            <a:r>
+              <a:rPr lang="en-US" sz="1000" dirty="0" smtClean="0">
+                <a:latin typeface="Avenir Light" charset="0"/>
+                <a:ea typeface="Avenir Light" charset="0"/>
+                <a:cs typeface="Avenir Light" charset="0"/>
+              </a:rPr>
+              <a:t>Co-authored a research paper on the theory, effectiveness, and applications of </a:t>
+            </a:r>
+            <a:r>
+              <a:rPr lang="en-US" sz="1000" dirty="0" err="1" smtClean="0">
+                <a:latin typeface="Avenir Light" charset="0"/>
+                <a:ea typeface="Avenir Light" charset="0"/>
+                <a:cs typeface="Avenir Light" charset="0"/>
+              </a:rPr>
+              <a:t>ThrottleBot</a:t>
+            </a:r>
+            <a:r>
+              <a:rPr lang="en-US" sz="1000" dirty="0" smtClean="0">
+                <a:latin typeface="Avenir Light" charset="0"/>
+                <a:ea typeface="Avenir Light" charset="0"/>
+                <a:cs typeface="Avenir Light" charset="0"/>
+              </a:rPr>
+              <a:t> (currently under submission @ </a:t>
+            </a:r>
+            <a:r>
+              <a:rPr lang="en-US" sz="1000" dirty="0" err="1" smtClean="0">
+                <a:latin typeface="Avenir Light" charset="0"/>
+                <a:ea typeface="Avenir Light" charset="0"/>
+                <a:cs typeface="Avenir Light" charset="0"/>
+              </a:rPr>
+              <a:t>HotNets</a:t>
+            </a:r>
+            <a:r>
+              <a:rPr lang="en-US" sz="1000" dirty="0" smtClean="0">
+                <a:latin typeface="Avenir Light" charset="0"/>
+                <a:ea typeface="Avenir Light" charset="0"/>
+                <a:cs typeface="Avenir Light" charset="0"/>
+              </a:rPr>
+              <a:t> 2017). </a:t>
+            </a:r>
+          </a:p>
+        </p:txBody>
+      </p:sp>
+      <p:sp>
+        <p:nvSpPr>
+          <p:cNvPr id="16" name="TextBox 15"/>
           <p:cNvSpPr txBox="1"/>
           <p:nvPr/>
         </p:nvSpPr>
         <p:spPr>
           <a:xfrm>
-            <a:off x="1567542" y="1758313"/>
-            <a:ext cx="4896338" cy="553998"/>
+            <a:off x="70725" y="2314141"/>
+            <a:ext cx="1430383" cy="584776"/>
           </a:xfrm>
           <a:prstGeom prst="rect">
             <a:avLst/>
@@ -3816,62 +4173,6 @@
           <a:lstStyle/>
           <a:p>
             <a:r>
-              <a:rPr lang="en-US" sz="1000" dirty="0" smtClean="0">
-                <a:latin typeface="Avenir Black" charset="0"/>
-                <a:ea typeface="Avenir Black" charset="0"/>
-                <a:cs typeface="Avenir Black" charset="0"/>
-              </a:rPr>
-              <a:t>California State University, Dominguez Hills</a:t>
-            </a:r>
-          </a:p>
-          <a:p>
-            <a:r>
-              <a:rPr lang="en-US" sz="1000" dirty="0" smtClean="0">
-                <a:latin typeface="Avenir Light" charset="0"/>
-                <a:ea typeface="Avenir Light" charset="0"/>
-                <a:cs typeface="Avenir Light" charset="0"/>
-              </a:rPr>
-              <a:t>High School Concurrent Enrollment</a:t>
-            </a:r>
-          </a:p>
-          <a:p>
-            <a:r>
-              <a:rPr lang="en-US" sz="1000" dirty="0" smtClean="0">
-                <a:latin typeface="Avenir Light" charset="0"/>
-                <a:ea typeface="Avenir Light" charset="0"/>
-                <a:cs typeface="Avenir Light" charset="0"/>
-              </a:rPr>
-              <a:t>Overall GPA: 3.93</a:t>
-            </a:r>
-          </a:p>
-        </p:txBody>
-      </p:sp>
-      <p:sp>
-        <p:nvSpPr>
-          <p:cNvPr id="14" name="TextBox 13"/>
-          <p:cNvSpPr txBox="1"/>
-          <p:nvPr/>
-        </p:nvSpPr>
-        <p:spPr>
-          <a:xfrm>
-            <a:off x="137157" y="1235118"/>
-            <a:ext cx="1430383" cy="338554"/>
-          </a:xfrm>
-          <a:prstGeom prst="rect">
-            <a:avLst/>
-          </a:prstGeom>
-          <a:noFill/>
-          <a:ln>
-            <a:noFill/>
-          </a:ln>
-        </p:spPr>
-        <p:txBody>
-          <a:bodyPr wrap="square" rtlCol="0" anchor="b">
-            <a:spAutoFit/>
-          </a:bodyPr>
-          <a:lstStyle/>
-          <a:p>
-            <a:r>
               <a:rPr lang="en-US" sz="800" dirty="0" smtClean="0">
                 <a:latin typeface="Avenir Light" charset="0"/>
                 <a:ea typeface="Avenir Light" charset="0"/>
@@ -3887,141 +4188,49 @@
                 <a:ea typeface="Avenir Light" charset="0"/>
                 <a:cs typeface="Avenir Light" charset="0"/>
               </a:rPr>
-              <a:t>August 2016 to May 2020</a:t>
-            </a:r>
-          </a:p>
-        </p:txBody>
-      </p:sp>
-      <p:sp>
-        <p:nvSpPr>
-          <p:cNvPr id="15" name="TextBox 14"/>
-          <p:cNvSpPr txBox="1"/>
-          <p:nvPr/>
-        </p:nvSpPr>
-        <p:spPr>
-          <a:xfrm>
-            <a:off x="137157" y="1794759"/>
-            <a:ext cx="1430383" cy="338554"/>
-          </a:xfrm>
-          <a:prstGeom prst="rect">
-            <a:avLst/>
-          </a:prstGeom>
-          <a:noFill/>
-          <a:ln>
-            <a:noFill/>
-          </a:ln>
-        </p:spPr>
-        <p:txBody>
-          <a:bodyPr wrap="square" rtlCol="0" anchor="b">
-            <a:spAutoFit/>
-          </a:bodyPr>
-          <a:lstStyle/>
-          <a:p>
-            <a:r>
-              <a:rPr lang="en-US" sz="800" smtClean="0">
-                <a:latin typeface="Avenir Light" charset="0"/>
-                <a:ea typeface="Avenir Light" charset="0"/>
-                <a:cs typeface="Avenir Light" charset="0"/>
-              </a:rPr>
-              <a:t>Carson, California</a:t>
-            </a:r>
-          </a:p>
-          <a:p>
+              <a:t>April 2017 </a:t>
+            </a:r>
+            <a:r>
+              <a:rPr lang="mr-IN" sz="800" dirty="0" smtClean="0">
+                <a:latin typeface="Avenir Light" charset="0"/>
+                <a:ea typeface="Avenir Light" charset="0"/>
+                <a:cs typeface="Avenir Light" charset="0"/>
+              </a:rPr>
+              <a:t>–</a:t>
+            </a:r>
             <a:r>
               <a:rPr lang="en-US" sz="800" dirty="0" smtClean="0">
                 <a:latin typeface="Avenir Light" charset="0"/>
                 <a:ea typeface="Avenir Light" charset="0"/>
                 <a:cs typeface="Avenir Light" charset="0"/>
               </a:rPr>
-              <a:t>June 2013 </a:t>
-            </a:r>
-            <a:r>
-              <a:rPr lang="mr-IN" sz="800" dirty="0" smtClean="0">
-                <a:latin typeface="Avenir Light" charset="0"/>
-                <a:ea typeface="Avenir Light" charset="0"/>
-                <a:cs typeface="Avenir Light" charset="0"/>
-              </a:rPr>
-              <a:t>–</a:t>
-            </a:r>
+              <a:t> Present</a:t>
+            </a:r>
+          </a:p>
+          <a:p>
             <a:r>
               <a:rPr lang="en-US" sz="800" dirty="0" smtClean="0">
                 <a:latin typeface="Avenir Light" charset="0"/>
                 <a:ea typeface="Avenir Light" charset="0"/>
                 <a:cs typeface="Avenir Light" charset="0"/>
               </a:rPr>
-              <a:t> May 2016</a:t>
-            </a:r>
-          </a:p>
-        </p:txBody>
-      </p:sp>
-      <p:sp>
-        <p:nvSpPr>
-          <p:cNvPr id="16" name="TextBox 15"/>
-          <p:cNvSpPr txBox="1"/>
-          <p:nvPr/>
-        </p:nvSpPr>
-        <p:spPr>
-          <a:xfrm>
-            <a:off x="137155" y="2707247"/>
-            <a:ext cx="1430383" cy="707886"/>
-          </a:xfrm>
-          <a:prstGeom prst="rect">
-            <a:avLst/>
-          </a:prstGeom>
-          <a:noFill/>
-          <a:ln>
-            <a:noFill/>
-          </a:ln>
-        </p:spPr>
-        <p:txBody>
-          <a:bodyPr wrap="square" rtlCol="0" anchor="b">
-            <a:spAutoFit/>
-          </a:bodyPr>
-          <a:lstStyle/>
-          <a:p>
+              <a:t>Python, JavaScript, Go, </a:t>
+            </a:r>
+            <a:r>
+              <a:rPr lang="en-US" sz="800" dirty="0" err="1" smtClean="0">
+                <a:latin typeface="Avenir Light" charset="0"/>
+                <a:ea typeface="Avenir Light" charset="0"/>
+                <a:cs typeface="Avenir Light" charset="0"/>
+              </a:rPr>
+              <a:t>Docker</a:t>
+            </a:r>
             <a:r>
               <a:rPr lang="en-US" sz="800" dirty="0" smtClean="0">
                 <a:latin typeface="Avenir Light" charset="0"/>
                 <a:ea typeface="Avenir Light" charset="0"/>
                 <a:cs typeface="Avenir Light" charset="0"/>
               </a:rPr>
-              <a:t>Berkeley, California</a:t>
-            </a:r>
-          </a:p>
-          <a:p>
-            <a:r>
-              <a:rPr lang="en-US" sz="800" dirty="0" smtClean="0">
-                <a:latin typeface="Avenir Light" charset="0"/>
-                <a:ea typeface="Avenir Light" charset="0"/>
-                <a:cs typeface="Avenir Light" charset="0"/>
-              </a:rPr>
-              <a:t>April 2016 </a:t>
-            </a:r>
-            <a:r>
-              <a:rPr lang="mr-IN" sz="800" dirty="0" smtClean="0">
-                <a:latin typeface="Avenir Light" charset="0"/>
-                <a:ea typeface="Avenir Light" charset="0"/>
-                <a:cs typeface="Avenir Light" charset="0"/>
-              </a:rPr>
-              <a:t>–</a:t>
-            </a:r>
-            <a:r>
-              <a:rPr lang="en-US" sz="800" dirty="0" smtClean="0">
-                <a:latin typeface="Avenir Light" charset="0"/>
-                <a:ea typeface="Avenir Light" charset="0"/>
-                <a:cs typeface="Avenir Light" charset="0"/>
-              </a:rPr>
-              <a:t> Present</a:t>
-            </a:r>
-          </a:p>
-          <a:p>
-            <a:r>
-              <a:rPr lang="en-US" sz="800" dirty="0" smtClean="0">
-                <a:latin typeface="Avenir Light" charset="0"/>
-                <a:ea typeface="Avenir Light" charset="0"/>
-                <a:cs typeface="Avenir Light" charset="0"/>
-              </a:rPr>
-              <a:t>Python, JavaScript, Spark, Docker, Quilt, Go, Nginx, AWS</a:t>
+              <a:t>, AWS, Quilt</a:t>
             </a:r>
           </a:p>
         </p:txBody>
@@ -4034,7 +4243,7 @@
         </p:nvSpPr>
         <p:spPr>
           <a:xfrm>
-            <a:off x="1567542" y="3973734"/>
+            <a:off x="1550780" y="4441160"/>
             <a:ext cx="5132196" cy="1015663"/>
           </a:xfrm>
           <a:prstGeom prst="rect">
@@ -4127,7 +4336,7 @@
         </p:nvSpPr>
         <p:spPr>
           <a:xfrm>
-            <a:off x="137155" y="4028325"/>
+            <a:off x="70725" y="4519616"/>
             <a:ext cx="1430383" cy="461665"/>
           </a:xfrm>
           <a:prstGeom prst="rect">
@@ -4160,7 +4369,7 @@
                 <a:ea typeface="Avenir Light" charset="0"/>
                 <a:cs typeface="Avenir Light" charset="0"/>
               </a:rPr>
-              <a:t>August 2016 </a:t>
+              <a:t>August 2015 </a:t>
             </a:r>
             <a:r>
               <a:rPr lang="mr-IN" sz="800" dirty="0" smtClean="0">
@@ -4186,20 +4395,20 @@
                 <a:ea typeface="Avenir Light" charset="0"/>
                 <a:cs typeface="Avenir Light" charset="0"/>
               </a:rPr>
-              <a:t>AutoCAD, CATIA, Excel</a:t>
-            </a:r>
-          </a:p>
-        </p:txBody>
-      </p:sp>
-      <p:sp>
-        <p:nvSpPr>
-          <p:cNvPr id="20" name="TextBox 19"/>
+              <a:t>AutoCAD, CATIA</a:t>
+            </a:r>
+          </a:p>
+        </p:txBody>
+      </p:sp>
+      <p:sp>
+        <p:nvSpPr>
+          <p:cNvPr id="43" name="TextBox 42"/>
           <p:cNvSpPr txBox="1"/>
           <p:nvPr/>
         </p:nvSpPr>
         <p:spPr>
           <a:xfrm>
-            <a:off x="137157" y="4997095"/>
+            <a:off x="70725" y="8681808"/>
             <a:ext cx="1430383" cy="369332"/>
           </a:xfrm>
           <a:prstGeom prst="rect">
@@ -4222,7 +4431,7 @@
                 <a:ea typeface="Avenir Light" charset="0"/>
                 <a:cs typeface="Avenir Light" charset="0"/>
               </a:rPr>
-              <a:t>PROJECTS</a:t>
+              <a:t>SKILLS</a:t>
             </a:r>
             <a:endParaRPr lang="en-US" dirty="0">
               <a:latin typeface="Avenir Light" charset="0"/>
@@ -4234,14 +4443,14 @@
       </p:sp>
       <p:sp>
         <p:nvSpPr>
-          <p:cNvPr id="21" name="TextBox 20"/>
+          <p:cNvPr id="44" name="TextBox 43"/>
           <p:cNvSpPr txBox="1"/>
           <p:nvPr/>
         </p:nvSpPr>
         <p:spPr>
           <a:xfrm>
-            <a:off x="2128723" y="5325466"/>
-            <a:ext cx="184731" cy="369332"/>
+            <a:off x="1566770" y="8666518"/>
+            <a:ext cx="5132196" cy="400110"/>
           </a:xfrm>
           <a:prstGeom prst="rect">
             <a:avLst/>
@@ -4252,25 +4461,927 @@
           </a:ln>
         </p:spPr>
         <p:txBody>
-          <a:bodyPr wrap="none" rtlCol="0">
+          <a:bodyPr wrap="square" rtlCol="0" anchor="b">
             <a:spAutoFit/>
           </a:bodyPr>
           <a:lstStyle/>
           <a:p>
-            <a:endParaRPr lang="en-US" dirty="0"/>
-          </a:p>
-        </p:txBody>
-      </p:sp>
-      <p:sp>
-        <p:nvSpPr>
-          <p:cNvPr id="22" name="TextBox 21"/>
+            <a:r>
+              <a:rPr lang="en-US" sz="1000" b="1" dirty="0" smtClean="0">
+                <a:latin typeface="Avenir Light" charset="0"/>
+                <a:ea typeface="Avenir Light" charset="0"/>
+                <a:cs typeface="Avenir Light" charset="0"/>
+              </a:rPr>
+              <a:t>Expert</a:t>
+            </a:r>
+            <a:r>
+              <a:rPr lang="en-US" sz="1000" dirty="0" smtClean="0">
+                <a:latin typeface="Avenir Light" charset="0"/>
+                <a:ea typeface="Avenir Light" charset="0"/>
+                <a:cs typeface="Avenir Light" charset="0"/>
+              </a:rPr>
+              <a:t> 	Python, Java, JavaScript	</a:t>
+            </a:r>
+            <a:r>
+              <a:rPr lang="en-US" sz="1000" dirty="0" err="1" smtClean="0">
+                <a:latin typeface="Avenir Light" charset="0"/>
+                <a:ea typeface="Avenir Light" charset="0"/>
+                <a:cs typeface="Avenir Light" charset="0"/>
+              </a:rPr>
+              <a:t>Django</a:t>
+            </a:r>
+            <a:r>
+              <a:rPr lang="en-US" sz="1000" dirty="0" smtClean="0">
+                <a:latin typeface="Avenir Light" charset="0"/>
+                <a:ea typeface="Avenir Light" charset="0"/>
+                <a:cs typeface="Avenir Light" charset="0"/>
+              </a:rPr>
+              <a:t>, Bootstrap</a:t>
+            </a:r>
+          </a:p>
+          <a:p>
+            <a:r>
+              <a:rPr lang="en-US" sz="1000" b="1" dirty="0" smtClean="0">
+                <a:latin typeface="Avenir Light" charset="0"/>
+                <a:ea typeface="Avenir Light" charset="0"/>
+                <a:cs typeface="Avenir Light" charset="0"/>
+              </a:rPr>
+              <a:t>Proficient</a:t>
+            </a:r>
+            <a:r>
+              <a:rPr lang="en-US" sz="1000" dirty="0" smtClean="0">
+                <a:latin typeface="Avenir Light" charset="0"/>
+                <a:ea typeface="Avenir Light" charset="0"/>
+                <a:cs typeface="Avenir Light" charset="0"/>
+              </a:rPr>
+              <a:t> 	SQL, Scheme, Ruby, C	</a:t>
+            </a:r>
+            <a:r>
+              <a:rPr lang="en-US" sz="1000" dirty="0" err="1" smtClean="0">
+                <a:latin typeface="Avenir Light" charset="0"/>
+                <a:ea typeface="Avenir Light" charset="0"/>
+                <a:cs typeface="Avenir Light" charset="0"/>
+              </a:rPr>
+              <a:t>Node.js</a:t>
+            </a:r>
+            <a:endParaRPr lang="en-US" sz="1000" b="1" dirty="0">
+              <a:latin typeface="Avenir Light" charset="0"/>
+              <a:ea typeface="Avenir Light" charset="0"/>
+              <a:cs typeface="Avenir Light" charset="0"/>
+            </a:endParaRPr>
+          </a:p>
+        </p:txBody>
+      </p:sp>
+      <p:grpSp>
+        <p:nvGrpSpPr>
+          <p:cNvPr id="10" name="Group 9"/>
+          <p:cNvGrpSpPr/>
+          <p:nvPr/>
+        </p:nvGrpSpPr>
+        <p:grpSpPr>
+          <a:xfrm>
+            <a:off x="70725" y="5456823"/>
+            <a:ext cx="6630746" cy="3224985"/>
+            <a:chOff x="70725" y="4918315"/>
+            <a:chExt cx="6630746" cy="3224985"/>
+          </a:xfrm>
+        </p:grpSpPr>
+        <p:grpSp>
+          <p:nvGrpSpPr>
+            <p:cNvPr id="2" name="Group 1"/>
+            <p:cNvGrpSpPr/>
+            <p:nvPr/>
+          </p:nvGrpSpPr>
+          <p:grpSpPr>
+            <a:xfrm>
+              <a:off x="70725" y="4918315"/>
+              <a:ext cx="6630746" cy="2607780"/>
+              <a:chOff x="70725" y="4828263"/>
+              <a:chExt cx="6630746" cy="2607780"/>
+            </a:xfrm>
+          </p:grpSpPr>
+          <p:sp>
+            <p:nvSpPr>
+              <p:cNvPr id="20" name="TextBox 19"/>
+              <p:cNvSpPr txBox="1"/>
+              <p:nvPr/>
+            </p:nvSpPr>
+            <p:spPr>
+              <a:xfrm>
+                <a:off x="70725" y="4828263"/>
+                <a:ext cx="1430383" cy="369332"/>
+              </a:xfrm>
+              <a:prstGeom prst="rect">
+                <a:avLst/>
+              </a:prstGeom>
+              <a:noFill/>
+              <a:ln>
+                <a:noFill/>
+              </a:ln>
+            </p:spPr>
+            <p:txBody>
+              <a:bodyPr wrap="square" rtlCol="0" anchor="b">
+                <a:spAutoFit/>
+              </a:bodyPr>
+              <a:lstStyle/>
+              <a:p>
+                <a:r>
+                  <a:rPr lang="en-US" dirty="0" smtClean="0">
+                    <a:latin typeface="Avenir Light" charset="0"/>
+                    <a:ea typeface="Avenir Light" charset="0"/>
+                    <a:cs typeface="Avenir Light" charset="0"/>
+                  </a:rPr>
+                  <a:t>PROJECTS</a:t>
+                </a:r>
+                <a:endParaRPr lang="en-US" dirty="0">
+                  <a:latin typeface="Avenir Light" charset="0"/>
+                  <a:ea typeface="Avenir Light" charset="0"/>
+                  <a:cs typeface="Avenir Light" charset="0"/>
+                </a:endParaRPr>
+              </a:p>
+            </p:txBody>
+          </p:sp>
+          <p:sp>
+            <p:nvSpPr>
+              <p:cNvPr id="21" name="TextBox 20"/>
+              <p:cNvSpPr txBox="1"/>
+              <p:nvPr/>
+            </p:nvSpPr>
+            <p:spPr>
+              <a:xfrm>
+                <a:off x="2127570" y="6124340"/>
+                <a:ext cx="184731" cy="369332"/>
+              </a:xfrm>
+              <a:prstGeom prst="rect">
+                <a:avLst/>
+              </a:prstGeom>
+              <a:noFill/>
+              <a:ln>
+                <a:noFill/>
+              </a:ln>
+            </p:spPr>
+            <p:txBody>
+              <a:bodyPr wrap="none" rtlCol="0">
+                <a:spAutoFit/>
+              </a:bodyPr>
+              <a:lstStyle/>
+              <a:p>
+                <a:endParaRPr lang="en-US" dirty="0"/>
+              </a:p>
+            </p:txBody>
+          </p:sp>
+          <p:sp>
+            <p:nvSpPr>
+              <p:cNvPr id="22" name="TextBox 21"/>
+              <p:cNvSpPr txBox="1"/>
+              <p:nvPr/>
+            </p:nvSpPr>
+            <p:spPr>
+              <a:xfrm>
+                <a:off x="1566387" y="5788417"/>
+                <a:ext cx="5132196" cy="861774"/>
+              </a:xfrm>
+              <a:prstGeom prst="rect">
+                <a:avLst/>
+              </a:prstGeom>
+              <a:noFill/>
+              <a:ln>
+                <a:noFill/>
+              </a:ln>
+            </p:spPr>
+            <p:txBody>
+              <a:bodyPr wrap="square" rtlCol="0" anchor="b">
+                <a:spAutoFit/>
+              </a:bodyPr>
+              <a:lstStyle/>
+              <a:p>
+                <a:r>
+                  <a:rPr lang="en-US" sz="1000" dirty="0" err="1" smtClean="0">
+                    <a:latin typeface="Avenir Black" charset="0"/>
+                    <a:ea typeface="Avenir Black" charset="0"/>
+                    <a:cs typeface="Avenir Black" charset="0"/>
+                  </a:rPr>
+                  <a:t>BearMaps</a:t>
+                </a:r>
+                <a:endParaRPr lang="en-US" sz="1000" dirty="0" smtClean="0">
+                  <a:latin typeface="Avenir Black" charset="0"/>
+                  <a:ea typeface="Avenir Black" charset="0"/>
+                  <a:cs typeface="Avenir Black" charset="0"/>
+                </a:endParaRPr>
+              </a:p>
+              <a:p>
+                <a:r>
+                  <a:rPr lang="en-US" sz="1000" dirty="0">
+                    <a:latin typeface="Avenir Light" charset="0"/>
+                    <a:ea typeface="Avenir Light" charset="0"/>
+                    <a:cs typeface="Avenir Light" charset="0"/>
+                  </a:rPr>
+                  <a:t>A data structures and algorithms focused Google </a:t>
+                </a:r>
+                <a:r>
+                  <a:rPr lang="en-US" sz="1000" dirty="0" smtClean="0">
+                    <a:latin typeface="Avenir Light" charset="0"/>
+                    <a:ea typeface="Avenir Light" charset="0"/>
+                    <a:cs typeface="Avenir Light" charset="0"/>
+                  </a:rPr>
+                  <a:t>Maps-</a:t>
+                </a:r>
+                <a:r>
+                  <a:rPr lang="en-US" sz="1000" dirty="0" err="1" smtClean="0">
+                    <a:latin typeface="Avenir Light" charset="0"/>
+                    <a:ea typeface="Avenir Light" charset="0"/>
+                    <a:cs typeface="Avenir Light" charset="0"/>
+                  </a:rPr>
+                  <a:t>esque</a:t>
+                </a:r>
+                <a:r>
+                  <a:rPr lang="en-US" sz="1000" dirty="0" smtClean="0">
+                    <a:latin typeface="Avenir Light" charset="0"/>
+                    <a:ea typeface="Avenir Light" charset="0"/>
+                    <a:cs typeface="Avenir Light" charset="0"/>
+                  </a:rPr>
+                  <a:t> </a:t>
+                </a:r>
+                <a:r>
+                  <a:rPr lang="en-US" sz="1000" dirty="0">
+                    <a:latin typeface="Avenir Light" charset="0"/>
+                    <a:ea typeface="Avenir Light" charset="0"/>
+                    <a:cs typeface="Avenir Light" charset="0"/>
+                  </a:rPr>
+                  <a:t>web app that allows users to interact with a map of Berkeley. </a:t>
+                </a:r>
+                <a:r>
+                  <a:rPr lang="en-US" sz="1000" dirty="0" smtClean="0">
+                    <a:latin typeface="Avenir Light" charset="0"/>
+                    <a:ea typeface="Avenir Light" charset="0"/>
+                    <a:cs typeface="Avenir Light" charset="0"/>
+                  </a:rPr>
+                  <a:t>Implemented features </a:t>
+                </a:r>
+                <a:r>
+                  <a:rPr lang="en-US" sz="1000" dirty="0">
+                    <a:latin typeface="Avenir Light" charset="0"/>
+                    <a:ea typeface="Avenir Light" charset="0"/>
+                    <a:cs typeface="Avenir Light" charset="0"/>
+                  </a:rPr>
+                  <a:t>such as zooming, routing, autocomplete, location searching, and map </a:t>
+                </a:r>
+                <a:r>
+                  <a:rPr lang="en-US" sz="1000" dirty="0" err="1" smtClean="0">
+                    <a:latin typeface="Avenir Light" charset="0"/>
+                    <a:ea typeface="Avenir Light" charset="0"/>
+                    <a:cs typeface="Avenir Light" charset="0"/>
+                  </a:rPr>
+                  <a:t>rastering</a:t>
+                </a:r>
+                <a:r>
+                  <a:rPr lang="en-US" sz="1000" dirty="0" smtClean="0">
+                    <a:latin typeface="Avenir Light" charset="0"/>
+                    <a:ea typeface="Avenir Light" charset="0"/>
+                    <a:cs typeface="Avenir Light" charset="0"/>
+                  </a:rPr>
+                  <a:t> using computer science concepts such as </a:t>
+                </a:r>
+                <a:r>
+                  <a:rPr lang="en-US" sz="1000" dirty="0" err="1" smtClean="0">
+                    <a:latin typeface="Avenir Light" charset="0"/>
+                    <a:ea typeface="Avenir Light" charset="0"/>
+                    <a:cs typeface="Avenir Light" charset="0"/>
+                  </a:rPr>
+                  <a:t>quadtrees</a:t>
+                </a:r>
+                <a:r>
+                  <a:rPr lang="en-US" sz="1000" dirty="0" smtClean="0">
+                    <a:latin typeface="Avenir Light" charset="0"/>
+                    <a:ea typeface="Avenir Light" charset="0"/>
+                    <a:cs typeface="Avenir Light" charset="0"/>
+                  </a:rPr>
+                  <a:t>, tries, </a:t>
+                </a:r>
+                <a:r>
+                  <a:rPr lang="en-US" sz="1000" dirty="0" err="1" smtClean="0">
+                    <a:latin typeface="Avenir Light" charset="0"/>
+                    <a:ea typeface="Avenir Light" charset="0"/>
+                    <a:cs typeface="Avenir Light" charset="0"/>
+                  </a:rPr>
+                  <a:t>hashtables</a:t>
+                </a:r>
+                <a:r>
+                  <a:rPr lang="en-US" sz="1000" dirty="0" smtClean="0">
+                    <a:latin typeface="Avenir Light" charset="0"/>
+                    <a:ea typeface="Avenir Light" charset="0"/>
+                    <a:cs typeface="Avenir Light" charset="0"/>
+                  </a:rPr>
+                  <a:t>, and the A* search algorithm.</a:t>
+                </a:r>
+                <a:endParaRPr lang="en-US" sz="1000" dirty="0">
+                  <a:latin typeface="Avenir Light" charset="0"/>
+                  <a:ea typeface="Avenir Light" charset="0"/>
+                  <a:cs typeface="Avenir Light" charset="0"/>
+                </a:endParaRPr>
+              </a:p>
+            </p:txBody>
+          </p:sp>
+          <p:sp>
+            <p:nvSpPr>
+              <p:cNvPr id="23" name="TextBox 22"/>
+              <p:cNvSpPr txBox="1"/>
+              <p:nvPr/>
+            </p:nvSpPr>
+            <p:spPr>
+              <a:xfrm>
+                <a:off x="1569275" y="6574269"/>
+                <a:ext cx="5132196" cy="861774"/>
+              </a:xfrm>
+              <a:prstGeom prst="rect">
+                <a:avLst/>
+              </a:prstGeom>
+              <a:noFill/>
+              <a:ln>
+                <a:noFill/>
+              </a:ln>
+            </p:spPr>
+            <p:txBody>
+              <a:bodyPr wrap="square" rtlCol="0" anchor="b">
+                <a:spAutoFit/>
+              </a:bodyPr>
+              <a:lstStyle/>
+              <a:p>
+                <a:r>
+                  <a:rPr lang="en-US" sz="1000" dirty="0" smtClean="0">
+                    <a:latin typeface="Avenir Black" charset="0"/>
+                    <a:ea typeface="Avenir Black" charset="0"/>
+                    <a:cs typeface="Avenir Black" charset="0"/>
+                  </a:rPr>
+                  <a:t>Database</a:t>
+                </a:r>
+              </a:p>
+              <a:p>
+                <a:r>
+                  <a:rPr lang="en-US" sz="1000" dirty="0" smtClean="0">
+                    <a:latin typeface="Avenir Light" charset="0"/>
+                    <a:ea typeface="Avenir Light" charset="0"/>
+                    <a:cs typeface="Avenir Light" charset="0"/>
+                  </a:rPr>
+                  <a:t>SQL</a:t>
+                </a:r>
+                <a:r>
+                  <a:rPr lang="en-US" sz="1000" dirty="0">
+                    <a:latin typeface="Avenir Light" charset="0"/>
+                    <a:ea typeface="Avenir Light" charset="0"/>
+                    <a:cs typeface="Avenir Light" charset="0"/>
+                  </a:rPr>
+                  <a:t>-like relational database management system (RDBMS) and corresponding Domain Specific Language (DSL) in Java with commands such as load, store, select, with, as, from, etc. Able to perform Cartesian joins of two or more tables in accordance to filter specifications defined by user input.</a:t>
+                </a:r>
+              </a:p>
+            </p:txBody>
+          </p:sp>
+          <p:sp>
+            <p:nvSpPr>
+              <p:cNvPr id="27" name="TextBox 26"/>
+              <p:cNvSpPr txBox="1"/>
+              <p:nvPr/>
+            </p:nvSpPr>
+            <p:spPr>
+              <a:xfrm>
+                <a:off x="70725" y="6024963"/>
+                <a:ext cx="1430383" cy="461665"/>
+              </a:xfrm>
+              <a:prstGeom prst="rect">
+                <a:avLst/>
+              </a:prstGeom>
+              <a:noFill/>
+              <a:ln>
+                <a:noFill/>
+              </a:ln>
+            </p:spPr>
+            <p:txBody>
+              <a:bodyPr wrap="square" rtlCol="0" anchor="b">
+                <a:spAutoFit/>
+              </a:bodyPr>
+              <a:lstStyle/>
+              <a:p>
+                <a:r>
+                  <a:rPr lang="en-US" sz="800" dirty="0" smtClean="0">
+                    <a:latin typeface="Avenir Light" charset="0"/>
+                    <a:ea typeface="Avenir Light" charset="0"/>
+                    <a:cs typeface="Avenir Light" charset="0"/>
+                  </a:rPr>
+                  <a:t>CS 61B: Data Structures</a:t>
+                </a:r>
+              </a:p>
+              <a:p>
+                <a:r>
+                  <a:rPr lang="en-US" sz="800" dirty="0" smtClean="0">
+                    <a:latin typeface="Avenir Light" charset="0"/>
+                    <a:ea typeface="Avenir Light" charset="0"/>
+                    <a:cs typeface="Avenir Light" charset="0"/>
+                  </a:rPr>
+                  <a:t>Spring 2017</a:t>
+                </a:r>
+              </a:p>
+              <a:p>
+                <a:r>
+                  <a:rPr lang="en-US" sz="800" dirty="0" smtClean="0">
+                    <a:latin typeface="Avenir Light" charset="0"/>
+                    <a:ea typeface="Avenir Light" charset="0"/>
+                    <a:cs typeface="Avenir Light" charset="0"/>
+                  </a:rPr>
+                  <a:t>Java</a:t>
+                </a:r>
+              </a:p>
+            </p:txBody>
+          </p:sp>
+          <p:sp>
+            <p:nvSpPr>
+              <p:cNvPr id="28" name="TextBox 27"/>
+              <p:cNvSpPr txBox="1"/>
+              <p:nvPr/>
+            </p:nvSpPr>
+            <p:spPr>
+              <a:xfrm>
+                <a:off x="70725" y="6854778"/>
+                <a:ext cx="1430383" cy="461665"/>
+              </a:xfrm>
+              <a:prstGeom prst="rect">
+                <a:avLst/>
+              </a:prstGeom>
+              <a:noFill/>
+              <a:ln>
+                <a:noFill/>
+              </a:ln>
+            </p:spPr>
+            <p:txBody>
+              <a:bodyPr wrap="square" rtlCol="0" anchor="b">
+                <a:spAutoFit/>
+              </a:bodyPr>
+              <a:lstStyle/>
+              <a:p>
+                <a:r>
+                  <a:rPr lang="en-US" sz="800" dirty="0" smtClean="0">
+                    <a:latin typeface="Avenir Light" charset="0"/>
+                    <a:ea typeface="Avenir Light" charset="0"/>
+                    <a:cs typeface="Avenir Light" charset="0"/>
+                  </a:rPr>
+                  <a:t>CS 61B: Data Structures</a:t>
+                </a:r>
+              </a:p>
+              <a:p>
+                <a:r>
+                  <a:rPr lang="en-US" sz="800" dirty="0" smtClean="0">
+                    <a:latin typeface="Avenir Light" charset="0"/>
+                    <a:ea typeface="Avenir Light" charset="0"/>
+                    <a:cs typeface="Avenir Light" charset="0"/>
+                  </a:rPr>
+                  <a:t>Spring 2017</a:t>
+                </a:r>
+              </a:p>
+              <a:p>
+                <a:r>
+                  <a:rPr lang="en-US" sz="800" dirty="0" smtClean="0">
+                    <a:latin typeface="Avenir Light" charset="0"/>
+                    <a:ea typeface="Avenir Light" charset="0"/>
+                    <a:cs typeface="Avenir Light" charset="0"/>
+                  </a:rPr>
+                  <a:t>Java, SQL</a:t>
+                </a:r>
+              </a:p>
+            </p:txBody>
+          </p:sp>
+          <p:sp>
+            <p:nvSpPr>
+              <p:cNvPr id="37" name="TextBox 36"/>
+              <p:cNvSpPr txBox="1"/>
+              <p:nvPr/>
+            </p:nvSpPr>
+            <p:spPr>
+              <a:xfrm>
+                <a:off x="1566387" y="4828263"/>
+                <a:ext cx="5132196" cy="1015663"/>
+              </a:xfrm>
+              <a:prstGeom prst="rect">
+                <a:avLst/>
+              </a:prstGeom>
+              <a:noFill/>
+              <a:ln>
+                <a:noFill/>
+              </a:ln>
+            </p:spPr>
+            <p:txBody>
+              <a:bodyPr wrap="square" rtlCol="0" anchor="b">
+                <a:spAutoFit/>
+              </a:bodyPr>
+              <a:lstStyle/>
+              <a:p>
+                <a:r>
+                  <a:rPr lang="en-US" sz="1000" dirty="0" smtClean="0">
+                    <a:latin typeface="Avenir Black" charset="0"/>
+                    <a:ea typeface="Avenir Black" charset="0"/>
+                    <a:cs typeface="Avenir Black" charset="0"/>
+                  </a:rPr>
+                  <a:t>Food Finder</a:t>
+                </a:r>
+              </a:p>
+              <a:p>
+                <a:r>
+                  <a:rPr lang="en-US" sz="1000" dirty="0" smtClean="0">
+                    <a:latin typeface="Avenir Light" charset="0"/>
+                    <a:ea typeface="Avenir Light" charset="0"/>
+                    <a:cs typeface="Avenir Light" charset="0"/>
+                  </a:rPr>
+                  <a:t>Web app that learns from user preference to make local restaurant suggestions. Users interact with a frontend created with Angular 2, which communicates using AJAX with a </a:t>
+                </a:r>
+                <a:r>
+                  <a:rPr lang="en-US" sz="1000" dirty="0" err="1" smtClean="0">
+                    <a:latin typeface="Avenir Light" charset="0"/>
+                    <a:ea typeface="Avenir Light" charset="0"/>
+                    <a:cs typeface="Avenir Light" charset="0"/>
+                  </a:rPr>
+                  <a:t>RESTful</a:t>
+                </a:r>
+                <a:r>
+                  <a:rPr lang="en-US" sz="1000" dirty="0" smtClean="0">
+                    <a:latin typeface="Avenir Light" charset="0"/>
+                    <a:ea typeface="Avenir Light" charset="0"/>
+                    <a:cs typeface="Avenir Light" charset="0"/>
+                  </a:rPr>
+                  <a:t> API backend created with </a:t>
+                </a:r>
+                <a:r>
+                  <a:rPr lang="en-US" sz="1000" dirty="0" err="1" smtClean="0">
+                    <a:latin typeface="Avenir Light" charset="0"/>
+                    <a:ea typeface="Avenir Light" charset="0"/>
+                    <a:cs typeface="Avenir Light" charset="0"/>
+                  </a:rPr>
+                  <a:t>Django</a:t>
+                </a:r>
+                <a:r>
+                  <a:rPr lang="en-US" sz="1000" dirty="0" smtClean="0">
+                    <a:latin typeface="Avenir Light" charset="0"/>
+                    <a:ea typeface="Avenir Light" charset="0"/>
+                    <a:cs typeface="Avenir Light" charset="0"/>
+                  </a:rPr>
+                  <a:t> and </a:t>
+                </a:r>
+                <a:r>
+                  <a:rPr lang="en-US" sz="1000" dirty="0" err="1" smtClean="0">
+                    <a:latin typeface="Avenir Light" charset="0"/>
+                    <a:ea typeface="Avenir Light" charset="0"/>
+                    <a:cs typeface="Avenir Light" charset="0"/>
+                  </a:rPr>
+                  <a:t>Nginx</a:t>
+                </a:r>
+                <a:r>
+                  <a:rPr lang="en-US" sz="1000" dirty="0" smtClean="0">
+                    <a:latin typeface="Avenir Light" charset="0"/>
+                    <a:ea typeface="Avenir Light" charset="0"/>
+                    <a:cs typeface="Avenir Light" charset="0"/>
+                  </a:rPr>
+                  <a:t>. Uses </a:t>
+                </a:r>
+                <a:r>
+                  <a:rPr lang="en-US" sz="1000" dirty="0" err="1" smtClean="0">
+                    <a:latin typeface="Avenir Light" charset="0"/>
+                    <a:ea typeface="Avenir Light" charset="0"/>
+                    <a:cs typeface="Avenir Light" charset="0"/>
+                  </a:rPr>
+                  <a:t>Redis</a:t>
+                </a:r>
+                <a:r>
+                  <a:rPr lang="en-US" sz="1000" dirty="0" smtClean="0">
+                    <a:latin typeface="Avenir Light" charset="0"/>
+                    <a:ea typeface="Avenir Light" charset="0"/>
+                    <a:cs typeface="Avenir Light" charset="0"/>
+                  </a:rPr>
+                  <a:t> to store session information and </a:t>
+                </a:r>
+                <a:r>
+                  <a:rPr lang="en-US" sz="1000" dirty="0" err="1" smtClean="0">
+                    <a:latin typeface="Avenir Light" charset="0"/>
+                    <a:ea typeface="Avenir Light" charset="0"/>
+                    <a:cs typeface="Avenir Light" charset="0"/>
+                  </a:rPr>
+                  <a:t>etcd</a:t>
+                </a:r>
+                <a:r>
+                  <a:rPr lang="en-US" sz="1000" dirty="0" smtClean="0">
+                    <a:latin typeface="Avenir Light" charset="0"/>
+                    <a:ea typeface="Avenir Light" charset="0"/>
+                    <a:cs typeface="Avenir Light" charset="0"/>
+                  </a:rPr>
+                  <a:t> to store user authentication and preference information. Deployed on AWS using Quilt. </a:t>
+                </a:r>
+                <a:endParaRPr lang="en-US" sz="1000" dirty="0">
+                  <a:latin typeface="Avenir Light" charset="0"/>
+                  <a:ea typeface="Avenir Light" charset="0"/>
+                  <a:cs typeface="Avenir Light" charset="0"/>
+                </a:endParaRPr>
+              </a:p>
+            </p:txBody>
+          </p:sp>
+          <p:sp>
+            <p:nvSpPr>
+              <p:cNvPr id="38" name="TextBox 37"/>
+              <p:cNvSpPr txBox="1"/>
+              <p:nvPr/>
+            </p:nvSpPr>
+            <p:spPr>
+              <a:xfrm>
+                <a:off x="70725" y="5171127"/>
+                <a:ext cx="1430383" cy="707886"/>
+              </a:xfrm>
+              <a:prstGeom prst="rect">
+                <a:avLst/>
+              </a:prstGeom>
+              <a:noFill/>
+              <a:ln>
+                <a:noFill/>
+              </a:ln>
+            </p:spPr>
+            <p:txBody>
+              <a:bodyPr wrap="square" rtlCol="0" anchor="b">
+                <a:spAutoFit/>
+              </a:bodyPr>
+              <a:lstStyle/>
+              <a:p>
+                <a:r>
+                  <a:rPr lang="en-US" sz="800" dirty="0" smtClean="0">
+                    <a:latin typeface="Avenir Light" charset="0"/>
+                    <a:ea typeface="Avenir Light" charset="0"/>
+                    <a:cs typeface="Avenir Light" charset="0"/>
+                  </a:rPr>
+                  <a:t>Personal Project</a:t>
+                </a:r>
+              </a:p>
+              <a:p>
+                <a:r>
+                  <a:rPr lang="en-US" sz="800" dirty="0" smtClean="0">
+                    <a:latin typeface="Avenir Light" charset="0"/>
+                    <a:ea typeface="Avenir Light" charset="0"/>
+                    <a:cs typeface="Avenir Light" charset="0"/>
+                  </a:rPr>
+                  <a:t>In Progress</a:t>
+                </a:r>
+              </a:p>
+              <a:p>
+                <a:r>
+                  <a:rPr lang="en-US" sz="800" dirty="0" err="1" smtClean="0">
+                    <a:latin typeface="Avenir Light" charset="0"/>
+                    <a:ea typeface="Avenir Light" charset="0"/>
+                    <a:cs typeface="Avenir Light" charset="0"/>
+                  </a:rPr>
+                  <a:t>Django</a:t>
+                </a:r>
+                <a:r>
+                  <a:rPr lang="en-US" sz="800" dirty="0" smtClean="0">
+                    <a:latin typeface="Avenir Light" charset="0"/>
+                    <a:ea typeface="Avenir Light" charset="0"/>
+                    <a:cs typeface="Avenir Light" charset="0"/>
+                  </a:rPr>
+                  <a:t>, Angular 2, AWS, Quilt, </a:t>
+                </a:r>
+                <a:r>
+                  <a:rPr lang="en-US" sz="800" dirty="0" err="1" smtClean="0">
+                    <a:latin typeface="Avenir Light" charset="0"/>
+                    <a:ea typeface="Avenir Light" charset="0"/>
+                    <a:cs typeface="Avenir Light" charset="0"/>
+                  </a:rPr>
+                  <a:t>Docker</a:t>
+                </a:r>
+                <a:r>
+                  <a:rPr lang="en-US" sz="800" dirty="0" smtClean="0">
+                    <a:latin typeface="Avenir Light" charset="0"/>
+                    <a:ea typeface="Avenir Light" charset="0"/>
+                    <a:cs typeface="Avenir Light" charset="0"/>
+                  </a:rPr>
+                  <a:t>, </a:t>
+                </a:r>
+                <a:r>
+                  <a:rPr lang="en-US" sz="800" dirty="0" err="1" smtClean="0">
+                    <a:latin typeface="Avenir Light" charset="0"/>
+                    <a:ea typeface="Avenir Light" charset="0"/>
+                    <a:cs typeface="Avenir Light" charset="0"/>
+                  </a:rPr>
+                  <a:t>Redis</a:t>
+                </a:r>
+                <a:r>
+                  <a:rPr lang="en-US" sz="800" dirty="0" smtClean="0">
+                    <a:latin typeface="Avenir Light" charset="0"/>
+                    <a:ea typeface="Avenir Light" charset="0"/>
+                    <a:cs typeface="Avenir Light" charset="0"/>
+                  </a:rPr>
+                  <a:t>, </a:t>
+                </a:r>
+                <a:r>
+                  <a:rPr lang="en-US" sz="800" dirty="0" err="1" smtClean="0">
+                    <a:latin typeface="Avenir Light" charset="0"/>
+                    <a:ea typeface="Avenir Light" charset="0"/>
+                    <a:cs typeface="Avenir Light" charset="0"/>
+                  </a:rPr>
+                  <a:t>etcd</a:t>
+                </a:r>
+                <a:r>
+                  <a:rPr lang="en-US" sz="800" dirty="0" smtClean="0">
+                    <a:latin typeface="Avenir Light" charset="0"/>
+                    <a:ea typeface="Avenir Light" charset="0"/>
+                    <a:cs typeface="Avenir Light" charset="0"/>
+                  </a:rPr>
+                  <a:t>, </a:t>
+                </a:r>
+                <a:r>
+                  <a:rPr lang="en-US" sz="800" dirty="0" err="1" smtClean="0">
+                    <a:latin typeface="Avenir Light" charset="0"/>
+                    <a:ea typeface="Avenir Light" charset="0"/>
+                    <a:cs typeface="Avenir Light" charset="0"/>
+                  </a:rPr>
+                  <a:t>Nginx</a:t>
+                </a:r>
+                <a:r>
+                  <a:rPr lang="en-US" sz="800" dirty="0" smtClean="0">
+                    <a:latin typeface="Avenir Light" charset="0"/>
+                    <a:ea typeface="Avenir Light" charset="0"/>
+                    <a:cs typeface="Avenir Light" charset="0"/>
+                  </a:rPr>
+                  <a:t>, </a:t>
+                </a:r>
+                <a:r>
+                  <a:rPr lang="en-US" sz="800" dirty="0" err="1" smtClean="0">
+                    <a:latin typeface="Avenir Light" charset="0"/>
+                    <a:ea typeface="Avenir Light" charset="0"/>
+                    <a:cs typeface="Avenir Light" charset="0"/>
+                  </a:rPr>
+                  <a:t>Jquery</a:t>
+                </a:r>
+                <a:r>
+                  <a:rPr lang="en-US" sz="800" dirty="0" smtClean="0">
+                    <a:latin typeface="Avenir Light" charset="0"/>
+                    <a:ea typeface="Avenir Light" charset="0"/>
+                    <a:cs typeface="Avenir Light" charset="0"/>
+                  </a:rPr>
+                  <a:t>, Bootstrap</a:t>
+                </a:r>
+              </a:p>
+            </p:txBody>
+          </p:sp>
+        </p:grpSp>
+        <p:sp>
+          <p:nvSpPr>
+            <p:cNvPr id="31" name="TextBox 30"/>
+            <p:cNvSpPr txBox="1"/>
+            <p:nvPr/>
+          </p:nvSpPr>
+          <p:spPr>
+            <a:xfrm>
+              <a:off x="1569275" y="7435414"/>
+              <a:ext cx="5132196" cy="707886"/>
+            </a:xfrm>
+            <a:prstGeom prst="rect">
+              <a:avLst/>
+            </a:prstGeom>
+            <a:noFill/>
+            <a:ln>
+              <a:noFill/>
+            </a:ln>
+          </p:spPr>
+          <p:txBody>
+            <a:bodyPr wrap="square" rtlCol="0" anchor="b">
+              <a:spAutoFit/>
+            </a:bodyPr>
+            <a:lstStyle/>
+            <a:p>
+              <a:r>
+                <a:rPr lang="en-US" sz="1000" dirty="0" err="1" smtClean="0">
+                  <a:latin typeface="Avenir Black" charset="0"/>
+                  <a:ea typeface="Avenir Black" charset="0"/>
+                  <a:cs typeface="Avenir Black" charset="0"/>
+                </a:rPr>
+                <a:t>metman</a:t>
+              </a:r>
+              <a:endParaRPr lang="en-US" sz="1000" dirty="0" smtClean="0">
+                <a:latin typeface="Avenir Black" charset="0"/>
+                <a:ea typeface="Avenir Black" charset="0"/>
+                <a:cs typeface="Avenir Black" charset="0"/>
+              </a:endParaRPr>
+            </a:p>
+            <a:p>
+              <a:r>
+                <a:rPr lang="en-US" sz="1000" dirty="0">
+                  <a:latin typeface="Avenir Light" charset="0"/>
+                  <a:ea typeface="Avenir Light" charset="0"/>
+                  <a:cs typeface="Avenir Light" charset="0"/>
+                </a:rPr>
+                <a:t>A </a:t>
+              </a:r>
+              <a:r>
+                <a:rPr lang="en-US" sz="1000" dirty="0" err="1">
+                  <a:latin typeface="Avenir Light" charset="0"/>
+                  <a:ea typeface="Avenir Light" charset="0"/>
+                  <a:cs typeface="Avenir Light" charset="0"/>
+                </a:rPr>
+                <a:t>Node.JS</a:t>
+              </a:r>
+              <a:r>
+                <a:rPr lang="en-US" sz="1000" dirty="0">
+                  <a:latin typeface="Avenir Light" charset="0"/>
+                  <a:ea typeface="Avenir Light" charset="0"/>
+                  <a:cs typeface="Avenir Light" charset="0"/>
+                </a:rPr>
+                <a:t> server build for a research class that explored flexible spacesuit designs intended for human exploration on Mars. Runs METMAN, a complex simulation of the Martian environment for internal testing purposes.</a:t>
+              </a:r>
+            </a:p>
+          </p:txBody>
+        </p:sp>
+        <p:sp>
+          <p:nvSpPr>
+            <p:cNvPr id="32" name="TextBox 31"/>
+            <p:cNvSpPr txBox="1"/>
+            <p:nvPr/>
+          </p:nvSpPr>
+          <p:spPr>
+            <a:xfrm>
+              <a:off x="70725" y="7595544"/>
+              <a:ext cx="1430383" cy="461665"/>
+            </a:xfrm>
+            <a:prstGeom prst="rect">
+              <a:avLst/>
+            </a:prstGeom>
+            <a:noFill/>
+            <a:ln>
+              <a:noFill/>
+            </a:ln>
+          </p:spPr>
+          <p:txBody>
+            <a:bodyPr wrap="square" rtlCol="0" anchor="b">
+              <a:spAutoFit/>
+            </a:bodyPr>
+            <a:lstStyle/>
+            <a:p>
+              <a:r>
+                <a:rPr lang="en-US" sz="800" dirty="0" smtClean="0">
+                  <a:latin typeface="Avenir Light" charset="0"/>
+                  <a:ea typeface="Avenir Light" charset="0"/>
+                  <a:cs typeface="Avenir Light" charset="0"/>
+                </a:rPr>
+                <a:t>Independent / Class</a:t>
+              </a:r>
+            </a:p>
+            <a:p>
+              <a:r>
+                <a:rPr lang="en-US" sz="800" dirty="0" smtClean="0">
+                  <a:latin typeface="Avenir Light" charset="0"/>
+                  <a:ea typeface="Avenir Light" charset="0"/>
+                  <a:cs typeface="Avenir Light" charset="0"/>
+                </a:rPr>
+                <a:t>Spring 2017</a:t>
+              </a:r>
+            </a:p>
+            <a:p>
+              <a:r>
+                <a:rPr lang="en-US" sz="800" dirty="0" err="1" smtClean="0">
+                  <a:latin typeface="Avenir Light" charset="0"/>
+                  <a:ea typeface="Avenir Light" charset="0"/>
+                  <a:cs typeface="Avenir Light" charset="0"/>
+                </a:rPr>
+                <a:t>Node.js</a:t>
+              </a:r>
+              <a:r>
+                <a:rPr lang="en-US" sz="800" dirty="0" smtClean="0">
+                  <a:latin typeface="Avenir Light" charset="0"/>
+                  <a:ea typeface="Avenir Light" charset="0"/>
+                  <a:cs typeface="Avenir Light" charset="0"/>
+                </a:rPr>
+                <a:t>, </a:t>
+              </a:r>
+              <a:r>
+                <a:rPr lang="en-US" sz="800" dirty="0" err="1" smtClean="0">
+                  <a:latin typeface="Avenir Light" charset="0"/>
+                  <a:ea typeface="Avenir Light" charset="0"/>
+                  <a:cs typeface="Avenir Light" charset="0"/>
+                </a:rPr>
+                <a:t>Jquery</a:t>
+              </a:r>
+              <a:r>
+                <a:rPr lang="en-US" sz="800" dirty="0" smtClean="0">
+                  <a:latin typeface="Avenir Light" charset="0"/>
+                  <a:ea typeface="Avenir Light" charset="0"/>
+                  <a:cs typeface="Avenir Light" charset="0"/>
+                </a:rPr>
+                <a:t>, Bootstrap</a:t>
+              </a:r>
+            </a:p>
+          </p:txBody>
+        </p:sp>
+      </p:grpSp>
+      <p:sp>
+        <p:nvSpPr>
+          <p:cNvPr id="33" name="TextBox 32"/>
           <p:cNvSpPr txBox="1"/>
           <p:nvPr/>
         </p:nvSpPr>
         <p:spPr>
           <a:xfrm>
-            <a:off x="1567542" y="5325466"/>
-            <a:ext cx="5132196" cy="861774"/>
+            <a:off x="1569275" y="3928705"/>
+            <a:ext cx="5132196" cy="553998"/>
           </a:xfrm>
           <a:prstGeom prst="rect">
             <a:avLst/>
@@ -4292,7 +5403,7 @@
                 <a:ea typeface="Avenir Black" charset="0"/>
                 <a:cs typeface="Avenir Black" charset="0"/>
               </a:rPr>
-              <a:t>BearMaps</a:t>
+              <a:t>BerkeleyTime</a:t>
             </a:r>
             <a:endParaRPr lang="en-US" sz="1000" dirty="0" smtClean="0">
               <a:latin typeface="Avenir Black" charset="0"/>
@@ -4302,110 +5413,28 @@
           </a:p>
           <a:p>
             <a:r>
-              <a:rPr lang="en-US" sz="1000" dirty="0">
-                <a:latin typeface="Avenir Light" charset="0"/>
-                <a:ea typeface="Avenir Light" charset="0"/>
-                <a:cs typeface="Avenir Light" charset="0"/>
-              </a:rPr>
-              <a:t>A data structures and algorithms focused Google </a:t>
-            </a:r>
-            <a:r>
               <a:rPr lang="en-US" sz="1000" dirty="0" smtClean="0">
                 <a:latin typeface="Avenir Light" charset="0"/>
                 <a:ea typeface="Avenir Light" charset="0"/>
                 <a:cs typeface="Avenir Light" charset="0"/>
               </a:rPr>
-              <a:t>Maps-</a:t>
-            </a:r>
-            <a:r>
-              <a:rPr lang="en-US" sz="1000" dirty="0" err="1" smtClean="0">
-                <a:latin typeface="Avenir Light" charset="0"/>
-                <a:ea typeface="Avenir Light" charset="0"/>
-                <a:cs typeface="Avenir Light" charset="0"/>
-              </a:rPr>
-              <a:t>esque</a:t>
-            </a:r>
+              <a:t>Backend Engineer</a:t>
+            </a:r>
+          </a:p>
+          <a:p>
+            <a:pPr marL="171450" indent="-171450">
+              <a:buFont typeface="Arial"/>
+              <a:buChar char="•"/>
+            </a:pPr>
             <a:r>
               <a:rPr lang="en-US" sz="1000" dirty="0" smtClean="0">
                 <a:latin typeface="Avenir Light" charset="0"/>
                 <a:ea typeface="Avenir Light" charset="0"/>
                 <a:cs typeface="Avenir Light" charset="0"/>
               </a:rPr>
-              <a:t> </a:t>
-            </a:r>
-            <a:r>
-              <a:rPr lang="en-US" sz="1000" dirty="0">
-                <a:latin typeface="Avenir Light" charset="0"/>
-                <a:ea typeface="Avenir Light" charset="0"/>
-                <a:cs typeface="Avenir Light" charset="0"/>
-              </a:rPr>
-              <a:t>web app that allows users to interact with a map of Berkeley. </a:t>
-            </a:r>
-            <a:r>
-              <a:rPr lang="en-US" sz="1000" dirty="0" smtClean="0">
-                <a:latin typeface="Avenir Light" charset="0"/>
-                <a:ea typeface="Avenir Light" charset="0"/>
-                <a:cs typeface="Avenir Light" charset="0"/>
-              </a:rPr>
-              <a:t>Implemented features </a:t>
-            </a:r>
-            <a:r>
-              <a:rPr lang="en-US" sz="1000" dirty="0">
-                <a:latin typeface="Avenir Light" charset="0"/>
-                <a:ea typeface="Avenir Light" charset="0"/>
-                <a:cs typeface="Avenir Light" charset="0"/>
-              </a:rPr>
-              <a:t>such as zooming, routing, autocomplete, location searching, and map </a:t>
-            </a:r>
-            <a:r>
-              <a:rPr lang="en-US" sz="1000" dirty="0" err="1" smtClean="0">
-                <a:latin typeface="Avenir Light" charset="0"/>
-                <a:ea typeface="Avenir Light" charset="0"/>
-                <a:cs typeface="Avenir Light" charset="0"/>
-              </a:rPr>
-              <a:t>rastering</a:t>
-            </a:r>
-            <a:r>
-              <a:rPr lang="en-US" sz="1000" dirty="0" smtClean="0">
-                <a:latin typeface="Avenir Light" charset="0"/>
-                <a:ea typeface="Avenir Light" charset="0"/>
-                <a:cs typeface="Avenir Light" charset="0"/>
-              </a:rPr>
-              <a:t> using computer science topics such as </a:t>
-            </a:r>
-            <a:r>
-              <a:rPr lang="en-US" sz="1000" dirty="0" err="1" smtClean="0">
-                <a:latin typeface="Avenir Light" charset="0"/>
-                <a:ea typeface="Avenir Light" charset="0"/>
-                <a:cs typeface="Avenir Light" charset="0"/>
-              </a:rPr>
-              <a:t>quadtrees</a:t>
-            </a:r>
-            <a:r>
-              <a:rPr lang="en-US" sz="1000" dirty="0" smtClean="0">
-                <a:latin typeface="Avenir Light" charset="0"/>
-                <a:ea typeface="Avenir Light" charset="0"/>
-                <a:cs typeface="Avenir Light" charset="0"/>
-              </a:rPr>
-              <a:t>, tries, </a:t>
-            </a:r>
-            <a:r>
-              <a:rPr lang="en-US" sz="1000" dirty="0" err="1" smtClean="0">
-                <a:latin typeface="Avenir Light" charset="0"/>
-                <a:ea typeface="Avenir Light" charset="0"/>
-                <a:cs typeface="Avenir Light" charset="0"/>
-              </a:rPr>
-              <a:t>hashtables</a:t>
-            </a:r>
-            <a:r>
-              <a:rPr lang="en-US" sz="1000" dirty="0" smtClean="0">
-                <a:latin typeface="Avenir Light" charset="0"/>
-                <a:ea typeface="Avenir Light" charset="0"/>
-                <a:cs typeface="Avenir Light" charset="0"/>
-              </a:rPr>
-              <a:t>, and the A* search algorithm.</a:t>
-            </a:r>
-            <a:endParaRPr lang="en-US" sz="1000" dirty="0">
+              <a:t>Working on cool new features to improve the student experience at UC Berkeley!</a:t>
+            </a:r>
+            <a:endParaRPr lang="en-US" sz="1000" dirty="0" smtClean="0">
               <a:latin typeface="Avenir Light" charset="0"/>
               <a:ea typeface="Avenir Light" charset="0"/>
               <a:cs typeface="Avenir Light" charset="0"/>
@@ -4415,191 +5444,13 @@
       </p:sp>
       <p:sp>
         <p:nvSpPr>
-          <p:cNvPr id="23" name="TextBox 22"/>
+          <p:cNvPr id="34" name="TextBox 33"/>
           <p:cNvSpPr txBox="1"/>
           <p:nvPr/>
         </p:nvSpPr>
         <p:spPr>
           <a:xfrm>
-            <a:off x="1567542" y="6187240"/>
-            <a:ext cx="5132196" cy="861774"/>
-          </a:xfrm>
-          <a:prstGeom prst="rect">
-            <a:avLst/>
-          </a:prstGeom>
-          <a:noFill/>
-          <a:ln>
-            <a:noFill/>
-          </a:ln>
-        </p:spPr>
-        <p:txBody>
-          <a:bodyPr wrap="square" rtlCol="0" anchor="b">
-            <a:spAutoFit/>
-          </a:bodyPr>
-          <a:lstStyle/>
-          <a:p>
-            <a:r>
-              <a:rPr lang="en-US" sz="1000" dirty="0" smtClean="0">
-                <a:latin typeface="Avenir Black" charset="0"/>
-                <a:ea typeface="Avenir Black" charset="0"/>
-                <a:cs typeface="Avenir Black" charset="0"/>
-              </a:rPr>
-              <a:t>Database</a:t>
-            </a:r>
-          </a:p>
-          <a:p>
-            <a:r>
-              <a:rPr lang="en-US" sz="1000" dirty="0" smtClean="0">
-                <a:latin typeface="Avenir Light" charset="0"/>
-                <a:ea typeface="Avenir Light" charset="0"/>
-                <a:cs typeface="Avenir Light" charset="0"/>
-              </a:rPr>
-              <a:t>Designed and built a </a:t>
-            </a:r>
-            <a:r>
-              <a:rPr lang="en-US" sz="1000" dirty="0">
-                <a:latin typeface="Avenir Light" charset="0"/>
-                <a:ea typeface="Avenir Light" charset="0"/>
-                <a:cs typeface="Avenir Light" charset="0"/>
-              </a:rPr>
-              <a:t>SQL-like relational database management system (RDBMS) and corresponding Domain Specific Language (DSL) in Java with commands such as load, store, select, with, as, from, etc. Able to perform Cartesian joins of two or more tables in accordance to filter specifications defined by user input.</a:t>
-            </a:r>
-          </a:p>
-        </p:txBody>
-      </p:sp>
-      <p:sp>
-        <p:nvSpPr>
-          <p:cNvPr id="24" name="TextBox 23"/>
-          <p:cNvSpPr txBox="1"/>
-          <p:nvPr/>
-        </p:nvSpPr>
-        <p:spPr>
-          <a:xfrm>
-            <a:off x="1567542" y="7046529"/>
-            <a:ext cx="5132196" cy="707886"/>
-          </a:xfrm>
-          <a:prstGeom prst="rect">
-            <a:avLst/>
-          </a:prstGeom>
-          <a:noFill/>
-          <a:ln>
-            <a:noFill/>
-          </a:ln>
-        </p:spPr>
-        <p:txBody>
-          <a:bodyPr wrap="square" rtlCol="0" anchor="b">
-            <a:spAutoFit/>
-          </a:bodyPr>
-          <a:lstStyle/>
-          <a:p>
-            <a:r>
-              <a:rPr lang="en-US" sz="1000" dirty="0" smtClean="0">
-                <a:latin typeface="Avenir Black" charset="0"/>
-                <a:ea typeface="Avenir Black" charset="0"/>
-                <a:cs typeface="Avenir Black" charset="0"/>
-              </a:rPr>
-              <a:t>Scheme Interpreter</a:t>
-            </a:r>
-          </a:p>
-          <a:p>
-            <a:r>
-              <a:rPr lang="en-US" sz="1000" dirty="0" smtClean="0">
-                <a:latin typeface="Avenir Light" charset="0"/>
-                <a:ea typeface="Avenir Light" charset="0"/>
-                <a:cs typeface="Avenir Light" charset="0"/>
-              </a:rPr>
-              <a:t>Build a interactive interpreter for the functional programming language Scheme, a common dialect of Lisp. Implement a Read-</a:t>
-            </a:r>
-            <a:r>
-              <a:rPr lang="en-US" sz="1000" dirty="0" err="1" smtClean="0">
-                <a:latin typeface="Avenir Light" charset="0"/>
-                <a:ea typeface="Avenir Light" charset="0"/>
-                <a:cs typeface="Avenir Light" charset="0"/>
-              </a:rPr>
-              <a:t>Eval</a:t>
-            </a:r>
-            <a:r>
-              <a:rPr lang="en-US" sz="1000" dirty="0" smtClean="0">
-                <a:latin typeface="Avenir Light" charset="0"/>
-                <a:ea typeface="Avenir Light" charset="0"/>
-                <a:cs typeface="Avenir Light" charset="0"/>
-              </a:rPr>
-              <a:t>-Print </a:t>
-            </a:r>
-            <a:r>
-              <a:rPr lang="en-US" sz="1000" dirty="0">
-                <a:latin typeface="Avenir Light" charset="0"/>
-                <a:ea typeface="Avenir Light" charset="0"/>
-                <a:cs typeface="Avenir Light" charset="0"/>
-              </a:rPr>
-              <a:t>L</a:t>
-            </a:r>
-            <a:r>
-              <a:rPr lang="en-US" sz="1000" dirty="0" smtClean="0">
-                <a:latin typeface="Avenir Light" charset="0"/>
-                <a:ea typeface="Avenir Light" charset="0"/>
-                <a:cs typeface="Avenir Light" charset="0"/>
-              </a:rPr>
-              <a:t>oop (REPL) that keeps track of variables and environments.  </a:t>
-            </a:r>
-            <a:endParaRPr lang="en-US" sz="1000" dirty="0">
-              <a:latin typeface="Avenir Light" charset="0"/>
-              <a:ea typeface="Avenir Light" charset="0"/>
-              <a:cs typeface="Avenir Light" charset="0"/>
-            </a:endParaRPr>
-          </a:p>
-        </p:txBody>
-      </p:sp>
-      <p:sp>
-        <p:nvSpPr>
-          <p:cNvPr id="26" name="TextBox 25"/>
-          <p:cNvSpPr txBox="1"/>
-          <p:nvPr/>
-        </p:nvSpPr>
-        <p:spPr>
-          <a:xfrm>
-            <a:off x="137536" y="7761769"/>
-            <a:ext cx="1430383" cy="369332"/>
-          </a:xfrm>
-          <a:prstGeom prst="rect">
-            <a:avLst/>
-          </a:prstGeom>
-          <a:noFill/>
-          <a:ln>
-            <a:noFill/>
-          </a:ln>
-        </p:spPr>
-        <p:txBody>
-          <a:bodyPr wrap="square" rtlCol="0" anchor="b">
-            <a:spAutoFit/>
-          </a:bodyPr>
-          <a:lstStyle/>
-          <a:p>
-            <a:r>
-              <a:rPr lang="en-US" dirty="0" smtClean="0">
-                <a:latin typeface="Avenir Light" charset="0"/>
-                <a:ea typeface="Avenir Light" charset="0"/>
-                <a:cs typeface="Avenir Light" charset="0"/>
-              </a:rPr>
-              <a:t>SKILLS</a:t>
-            </a:r>
-            <a:endParaRPr lang="en-US" dirty="0">
-              <a:latin typeface="Avenir Light" charset="0"/>
-              <a:ea typeface="Avenir Light" charset="0"/>
-              <a:cs typeface="Avenir Light" charset="0"/>
-            </a:endParaRPr>
-          </a:p>
-        </p:txBody>
-      </p:sp>
-      <p:sp>
-        <p:nvSpPr>
-          <p:cNvPr id="27" name="TextBox 26"/>
-          <p:cNvSpPr txBox="1"/>
-          <p:nvPr/>
-        </p:nvSpPr>
-        <p:spPr>
-          <a:xfrm>
-            <a:off x="137157" y="5379522"/>
+            <a:off x="70725" y="3992536"/>
             <a:ext cx="1430383" cy="461665"/>
           </a:xfrm>
           <a:prstGeom prst="rect">
@@ -4622,55 +5473,25 @@
                 <a:ea typeface="Avenir Light" charset="0"/>
                 <a:cs typeface="Avenir Light" charset="0"/>
               </a:rPr>
-              <a:t>CS 61B: Data Structures</a:t>
-            </a:r>
-          </a:p>
-          <a:p>
+              <a:t>Berkeley</a:t>
+            </a:r>
             <a:r>
               <a:rPr lang="en-US" sz="800" dirty="0" smtClean="0">
                 <a:latin typeface="Avenir Light" charset="0"/>
                 <a:ea typeface="Avenir Light" charset="0"/>
                 <a:cs typeface="Avenir Light" charset="0"/>
               </a:rPr>
-              <a:t>Spring 2017</a:t>
-            </a:r>
-          </a:p>
-          <a:p>
+              <a:t>, </a:t>
+            </a:r>
             <a:r>
               <a:rPr lang="en-US" sz="800" dirty="0" smtClean="0">
                 <a:latin typeface="Avenir Light" charset="0"/>
                 <a:ea typeface="Avenir Light" charset="0"/>
                 <a:cs typeface="Avenir Light" charset="0"/>
               </a:rPr>
-              <a:t>Java</a:t>
-            </a:r>
-          </a:p>
-        </p:txBody>
-      </p:sp>
-      <p:sp>
-        <p:nvSpPr>
-          <p:cNvPr id="28" name="TextBox 27"/>
-          <p:cNvSpPr txBox="1"/>
-          <p:nvPr/>
-        </p:nvSpPr>
-        <p:spPr>
-          <a:xfrm>
-            <a:off x="137157" y="6226642"/>
-            <a:ext cx="1430383" cy="461665"/>
-          </a:xfrm>
-          <a:prstGeom prst="rect">
-            <a:avLst/>
-          </a:prstGeom>
-          <a:noFill/>
-          <a:ln>
-            <a:noFill/>
-          </a:ln>
-        </p:spPr>
-        <p:txBody>
-          <a:bodyPr wrap="square" rtlCol="0" anchor="b">
-            <a:spAutoFit/>
-          </a:bodyPr>
-          <a:lstStyle/>
+              <a:t>California</a:t>
+            </a:r>
+          </a:p>
           <a:p>
             <a:r>
               <a:rPr lang="en-US" sz="800" dirty="0" smtClean="0">
@@ -4678,584 +5499,28 @@
                 <a:ea typeface="Avenir Light" charset="0"/>
                 <a:cs typeface="Avenir Light" charset="0"/>
               </a:rPr>
-              <a:t>CS 61B: Data Structures</a:t>
-            </a:r>
-          </a:p>
-          <a:p>
-            <a:r>
-              <a:rPr lang="en-US" sz="800" dirty="0" smtClean="0">
-                <a:latin typeface="Avenir Light" charset="0"/>
-                <a:ea typeface="Avenir Light" charset="0"/>
-                <a:cs typeface="Avenir Light" charset="0"/>
-              </a:rPr>
-              <a:t>Spring 2017</a:t>
-            </a:r>
-          </a:p>
-          <a:p>
-            <a:r>
-              <a:rPr lang="en-US" sz="800" dirty="0" smtClean="0">
-                <a:latin typeface="Avenir Light" charset="0"/>
-                <a:ea typeface="Avenir Light" charset="0"/>
-                <a:cs typeface="Avenir Light" charset="0"/>
-              </a:rPr>
-              <a:t>Java, SQL</a:t>
-            </a:r>
-          </a:p>
-        </p:txBody>
-      </p:sp>
-      <p:sp>
-        <p:nvSpPr>
-          <p:cNvPr id="29" name="TextBox 28"/>
-          <p:cNvSpPr txBox="1"/>
-          <p:nvPr/>
-        </p:nvSpPr>
-        <p:spPr>
-          <a:xfrm>
-            <a:off x="137157" y="7099315"/>
-            <a:ext cx="1430383" cy="461665"/>
-          </a:xfrm>
-          <a:prstGeom prst="rect">
-            <a:avLst/>
-          </a:prstGeom>
-          <a:noFill/>
-          <a:ln>
-            <a:noFill/>
-          </a:ln>
-        </p:spPr>
-        <p:txBody>
-          <a:bodyPr wrap="square" rtlCol="0" anchor="b">
-            <a:spAutoFit/>
-          </a:bodyPr>
-          <a:lstStyle/>
-          <a:p>
-            <a:r>
-              <a:rPr lang="en-US" sz="800" dirty="0" smtClean="0">
-                <a:latin typeface="Avenir Light" charset="0"/>
-                <a:ea typeface="Avenir Light" charset="0"/>
-                <a:cs typeface="Avenir Light" charset="0"/>
-              </a:rPr>
-              <a:t>CS 61A: SCIP</a:t>
-            </a:r>
-          </a:p>
-          <a:p>
-            <a:r>
-              <a:rPr lang="en-US" sz="800" dirty="0" smtClean="0">
-                <a:latin typeface="Avenir Light" charset="0"/>
-                <a:ea typeface="Avenir Light" charset="0"/>
-                <a:cs typeface="Avenir Light" charset="0"/>
-              </a:rPr>
-              <a:t>Spring 2017</a:t>
-            </a:r>
-          </a:p>
-          <a:p>
-            <a:r>
-              <a:rPr lang="en-US" sz="800" dirty="0" smtClean="0">
-                <a:latin typeface="Avenir Light" charset="0"/>
-                <a:ea typeface="Avenir Light" charset="0"/>
-                <a:cs typeface="Avenir Light" charset="0"/>
-              </a:rPr>
-              <a:t>Python, Scheme</a:t>
-            </a:r>
-          </a:p>
-        </p:txBody>
-      </p:sp>
-      <p:sp>
-        <p:nvSpPr>
-          <p:cNvPr id="30" name="TextBox 29"/>
-          <p:cNvSpPr txBox="1"/>
-          <p:nvPr/>
-        </p:nvSpPr>
-        <p:spPr>
-          <a:xfrm>
-            <a:off x="137157" y="8089742"/>
-            <a:ext cx="1005840" cy="861774"/>
-          </a:xfrm>
-          <a:prstGeom prst="rect">
-            <a:avLst/>
-          </a:prstGeom>
-          <a:noFill/>
-          <a:ln>
-            <a:noFill/>
-          </a:ln>
-        </p:spPr>
-        <p:txBody>
-          <a:bodyPr wrap="square" rtlCol="0" anchor="b">
-            <a:spAutoFit/>
-          </a:bodyPr>
-          <a:lstStyle/>
-          <a:p>
-            <a:r>
-              <a:rPr lang="en-US" sz="1000" dirty="0" smtClean="0">
-                <a:solidFill>
-                  <a:sysClr val="windowText" lastClr="000000"/>
-                </a:solidFill>
-                <a:latin typeface="Avenir Black" charset="0"/>
-                <a:ea typeface="Avenir Black" charset="0"/>
-                <a:cs typeface="Avenir Black" charset="0"/>
-              </a:rPr>
-              <a:t>Languages</a:t>
-            </a:r>
-          </a:p>
-          <a:p>
-            <a:r>
-              <a:rPr lang="en-US" sz="1000" dirty="0" smtClean="0">
-                <a:solidFill>
-                  <a:sysClr val="windowText" lastClr="000000"/>
-                </a:solidFill>
-                <a:latin typeface="Avenir Light" charset="0"/>
-                <a:ea typeface="Avenir Light" charset="0"/>
-                <a:cs typeface="Avenir Light" charset="0"/>
-              </a:rPr>
-              <a:t>Python</a:t>
-            </a:r>
-          </a:p>
-          <a:p>
-            <a:r>
-              <a:rPr lang="en-US" sz="1000" dirty="0" smtClean="0">
-                <a:solidFill>
-                  <a:sysClr val="windowText" lastClr="000000"/>
-                </a:solidFill>
-                <a:latin typeface="Avenir Light" charset="0"/>
-                <a:ea typeface="Avenir Light" charset="0"/>
-                <a:cs typeface="Avenir Light" charset="0"/>
-              </a:rPr>
-              <a:t>Java</a:t>
-            </a:r>
-          </a:p>
-          <a:p>
-            <a:r>
-              <a:rPr lang="en-US" sz="1000" dirty="0" smtClean="0">
-                <a:solidFill>
-                  <a:sysClr val="windowText" lastClr="000000"/>
-                </a:solidFill>
-                <a:latin typeface="Avenir Light" charset="0"/>
-                <a:ea typeface="Avenir Light" charset="0"/>
-                <a:cs typeface="Avenir Light" charset="0"/>
-              </a:rPr>
-              <a:t>JavaScript</a:t>
-            </a:r>
-          </a:p>
-          <a:p>
-            <a:r>
-              <a:rPr lang="en-US" sz="1000" dirty="0" smtClean="0">
-                <a:solidFill>
-                  <a:sysClr val="windowText" lastClr="000000"/>
-                </a:solidFill>
-                <a:latin typeface="Avenir Light" charset="0"/>
-                <a:ea typeface="Avenir Light" charset="0"/>
-                <a:cs typeface="Avenir Light" charset="0"/>
-              </a:rPr>
-              <a:t>C</a:t>
-            </a:r>
-            <a:endParaRPr lang="en-US" sz="1000" dirty="0">
-              <a:solidFill>
-                <a:sysClr val="windowText" lastClr="000000"/>
-              </a:solidFill>
+              <a:t>September 2017 - Present</a:t>
+            </a:r>
+            <a:endParaRPr lang="en-US" sz="800" dirty="0" smtClean="0">
               <a:latin typeface="Avenir Light" charset="0"/>
               <a:ea typeface="Avenir Light" charset="0"/>
               <a:cs typeface="Avenir Light" charset="0"/>
             </a:endParaRPr>
           </a:p>
-        </p:txBody>
-      </p:sp>
-      <p:sp>
-        <p:nvSpPr>
-          <p:cNvPr id="33" name="TextBox 32"/>
-          <p:cNvSpPr txBox="1"/>
-          <p:nvPr/>
-        </p:nvSpPr>
-        <p:spPr>
-          <a:xfrm>
-            <a:off x="1142997" y="8085842"/>
-            <a:ext cx="1005840" cy="861774"/>
-          </a:xfrm>
-          <a:prstGeom prst="rect">
-            <a:avLst/>
-          </a:prstGeom>
-          <a:noFill/>
-          <a:ln>
-            <a:noFill/>
-          </a:ln>
-        </p:spPr>
-        <p:txBody>
-          <a:bodyPr wrap="square" rtlCol="0" anchor="b">
-            <a:spAutoFit/>
-          </a:bodyPr>
-          <a:lstStyle/>
-          <a:p>
-            <a:endParaRPr lang="en-US" sz="1000" dirty="0" smtClean="0">
-              <a:solidFill>
-                <a:sysClr val="windowText" lastClr="000000"/>
-              </a:solidFill>
-              <a:latin typeface="Avenir Black" charset="0"/>
-              <a:ea typeface="Avenir Black" charset="0"/>
-              <a:cs typeface="Avenir Black" charset="0"/>
-            </a:endParaRPr>
-          </a:p>
-          <a:p>
-            <a:r>
-              <a:rPr lang="en-US" sz="1000" dirty="0">
-                <a:solidFill>
-                  <a:sysClr val="windowText" lastClr="000000"/>
-                </a:solidFill>
-                <a:latin typeface="Avenir Light" charset="0"/>
-                <a:ea typeface="Avenir Light" charset="0"/>
-                <a:cs typeface="Avenir Light" charset="0"/>
-              </a:rPr>
-              <a:t>R</a:t>
-            </a:r>
-            <a:r>
-              <a:rPr lang="en-US" sz="1000" dirty="0" smtClean="0">
-                <a:solidFill>
-                  <a:sysClr val="windowText" lastClr="000000"/>
-                </a:solidFill>
-                <a:latin typeface="Avenir Light" charset="0"/>
-                <a:ea typeface="Avenir Light" charset="0"/>
-                <a:cs typeface="Avenir Light" charset="0"/>
-              </a:rPr>
-              <a:t>uby</a:t>
-            </a:r>
-          </a:p>
-          <a:p>
-            <a:r>
-              <a:rPr lang="en-US" sz="1000" dirty="0" smtClean="0">
-                <a:solidFill>
-                  <a:sysClr val="windowText" lastClr="000000"/>
-                </a:solidFill>
-                <a:latin typeface="Avenir Light" charset="0"/>
-                <a:ea typeface="Avenir Light" charset="0"/>
-                <a:cs typeface="Avenir Light" charset="0"/>
-              </a:rPr>
-              <a:t>Scheme</a:t>
-            </a:r>
-          </a:p>
-          <a:p>
-            <a:r>
-              <a:rPr lang="en-US" sz="1000" dirty="0" smtClean="0">
-                <a:solidFill>
-                  <a:sysClr val="windowText" lastClr="000000"/>
-                </a:solidFill>
-                <a:latin typeface="Avenir Light" charset="0"/>
-                <a:ea typeface="Avenir Light" charset="0"/>
-                <a:cs typeface="Avenir Light" charset="0"/>
-              </a:rPr>
-              <a:t>SQL</a:t>
-            </a:r>
-          </a:p>
-          <a:p>
-            <a:r>
-              <a:rPr lang="en-US" sz="1000" dirty="0" smtClean="0">
-                <a:solidFill>
-                  <a:sysClr val="windowText" lastClr="000000"/>
-                </a:solidFill>
-                <a:latin typeface="Avenir Light" charset="0"/>
-                <a:ea typeface="Avenir Light" charset="0"/>
-                <a:cs typeface="Avenir Light" charset="0"/>
-              </a:rPr>
-              <a:t>HTML/CSS</a:t>
-            </a:r>
-            <a:endParaRPr lang="en-US" sz="1000" dirty="0">
-              <a:solidFill>
-                <a:sysClr val="windowText" lastClr="000000"/>
-              </a:solidFill>
+          <a:p>
+            <a:r>
+              <a:rPr lang="en-US" sz="800" dirty="0" err="1" smtClean="0">
+                <a:latin typeface="Avenir Light" charset="0"/>
+                <a:ea typeface="Avenir Light" charset="0"/>
+                <a:cs typeface="Avenir Light" charset="0"/>
+              </a:rPr>
+              <a:t>Django</a:t>
+            </a:r>
+            <a:endParaRPr lang="en-US" sz="800" dirty="0" smtClean="0">
               <a:latin typeface="Avenir Light" charset="0"/>
               <a:ea typeface="Avenir Light" charset="0"/>
               <a:cs typeface="Avenir Light" charset="0"/>
             </a:endParaRPr>
-          </a:p>
-        </p:txBody>
-      </p:sp>
-      <p:sp>
-        <p:nvSpPr>
-          <p:cNvPr id="34" name="TextBox 33"/>
-          <p:cNvSpPr txBox="1"/>
-          <p:nvPr/>
-        </p:nvSpPr>
-        <p:spPr>
-          <a:xfrm>
-            <a:off x="2152191" y="8089742"/>
-            <a:ext cx="2577461" cy="861774"/>
-          </a:xfrm>
-          <a:prstGeom prst="rect">
-            <a:avLst/>
-          </a:prstGeom>
-          <a:noFill/>
-          <a:ln>
-            <a:noFill/>
-          </a:ln>
-        </p:spPr>
-        <p:txBody>
-          <a:bodyPr wrap="square" rtlCol="0" anchor="b">
-            <a:spAutoFit/>
-          </a:bodyPr>
-          <a:lstStyle/>
-          <a:p>
-            <a:r>
-              <a:rPr lang="en-US" sz="1000" dirty="0" smtClean="0">
-                <a:solidFill>
-                  <a:sysClr val="windowText" lastClr="000000"/>
-                </a:solidFill>
-                <a:latin typeface="Avenir Black" charset="0"/>
-                <a:ea typeface="Avenir Black" charset="0"/>
-                <a:cs typeface="Avenir Black" charset="0"/>
-              </a:rPr>
-              <a:t>Frameworks, Environments, Programs </a:t>
-            </a:r>
-          </a:p>
-          <a:p>
-            <a:r>
-              <a:rPr lang="en-US" sz="1000" dirty="0" smtClean="0">
-                <a:solidFill>
-                  <a:sysClr val="windowText" lastClr="000000"/>
-                </a:solidFill>
-                <a:latin typeface="Avenir Light" charset="0"/>
-                <a:ea typeface="Avenir Light" charset="0"/>
-                <a:cs typeface="Avenir Light" charset="0"/>
-              </a:rPr>
-              <a:t>Bootstrap</a:t>
-            </a:r>
-          </a:p>
-          <a:p>
-            <a:r>
-              <a:rPr lang="en-US" sz="1000" dirty="0" smtClean="0">
-                <a:solidFill>
-                  <a:sysClr val="windowText" lastClr="000000"/>
-                </a:solidFill>
-                <a:latin typeface="Avenir Light" charset="0"/>
-                <a:ea typeface="Avenir Light" charset="0"/>
-                <a:cs typeface="Avenir Light" charset="0"/>
-              </a:rPr>
-              <a:t>Spark</a:t>
-            </a:r>
-          </a:p>
-          <a:p>
-            <a:r>
-              <a:rPr lang="en-US" sz="1000" dirty="0" smtClean="0">
-                <a:solidFill>
-                  <a:sysClr val="windowText" lastClr="000000"/>
-                </a:solidFill>
-                <a:latin typeface="Avenir Light" charset="0"/>
-                <a:ea typeface="Avenir Light" charset="0"/>
-                <a:cs typeface="Avenir Light" charset="0"/>
-              </a:rPr>
-              <a:t>Quilt</a:t>
-            </a:r>
-          </a:p>
-          <a:p>
-            <a:r>
-              <a:rPr lang="en-US" sz="1000" dirty="0" err="1" smtClean="0">
-                <a:solidFill>
-                  <a:sysClr val="windowText" lastClr="000000"/>
-                </a:solidFill>
-                <a:latin typeface="Avenir Light" charset="0"/>
-                <a:ea typeface="Avenir Light" charset="0"/>
-                <a:cs typeface="Avenir Light" charset="0"/>
-              </a:rPr>
-              <a:t>Node.js</a:t>
-            </a:r>
-            <a:endParaRPr lang="en-US" sz="1000" dirty="0">
-              <a:solidFill>
-                <a:sysClr val="windowText" lastClr="000000"/>
-              </a:solidFill>
-              <a:latin typeface="Avenir Light" charset="0"/>
-              <a:ea typeface="Avenir Light" charset="0"/>
-              <a:cs typeface="Avenir Light" charset="0"/>
-            </a:endParaRPr>
-          </a:p>
-        </p:txBody>
-      </p:sp>
-      <p:sp>
-        <p:nvSpPr>
-          <p:cNvPr id="35" name="TextBox 34"/>
-          <p:cNvSpPr txBox="1"/>
-          <p:nvPr/>
-        </p:nvSpPr>
-        <p:spPr>
-          <a:xfrm>
-            <a:off x="4818861" y="8095259"/>
-            <a:ext cx="1005840" cy="861774"/>
-          </a:xfrm>
-          <a:prstGeom prst="rect">
-            <a:avLst/>
-          </a:prstGeom>
-          <a:noFill/>
-          <a:ln>
-            <a:noFill/>
-          </a:ln>
-        </p:spPr>
-        <p:txBody>
-          <a:bodyPr wrap="square" rtlCol="0" anchor="b">
-            <a:spAutoFit/>
-          </a:bodyPr>
-          <a:lstStyle/>
-          <a:p>
-            <a:r>
-              <a:rPr lang="en-US" sz="1000" dirty="0" smtClean="0">
-                <a:solidFill>
-                  <a:sysClr val="windowText" lastClr="000000"/>
-                </a:solidFill>
-                <a:latin typeface="Avenir Black" charset="0"/>
-                <a:ea typeface="Avenir Black" charset="0"/>
-                <a:cs typeface="Avenir Black" charset="0"/>
-              </a:rPr>
-              <a:t>Applications</a:t>
-            </a:r>
-          </a:p>
-          <a:p>
-            <a:r>
-              <a:rPr lang="en-US" sz="1000" dirty="0" smtClean="0">
-                <a:solidFill>
-                  <a:sysClr val="windowText" lastClr="000000"/>
-                </a:solidFill>
-                <a:latin typeface="Avenir Light" charset="0"/>
-                <a:ea typeface="Avenir Light" charset="0"/>
-                <a:cs typeface="Avenir Light" charset="0"/>
-              </a:rPr>
-              <a:t>AutoCAD</a:t>
-            </a:r>
-          </a:p>
-          <a:p>
-            <a:r>
-              <a:rPr lang="en-US" sz="1000" dirty="0" smtClean="0">
-                <a:solidFill>
-                  <a:sysClr val="windowText" lastClr="000000"/>
-                </a:solidFill>
-                <a:latin typeface="Avenir Light" charset="0"/>
-                <a:ea typeface="Avenir Light" charset="0"/>
-                <a:cs typeface="Avenir Light" charset="0"/>
-              </a:rPr>
-              <a:t>Inventor</a:t>
-            </a:r>
-          </a:p>
-          <a:p>
-            <a:r>
-              <a:rPr lang="en-US" sz="1000" dirty="0" err="1" smtClean="0">
-                <a:solidFill>
-                  <a:sysClr val="windowText" lastClr="000000"/>
-                </a:solidFill>
-                <a:latin typeface="Avenir Light" charset="0"/>
-                <a:ea typeface="Avenir Light" charset="0"/>
-                <a:cs typeface="Avenir Light" charset="0"/>
-              </a:rPr>
-              <a:t>Solidworks</a:t>
-            </a:r>
-            <a:endParaRPr lang="en-US" sz="1000" dirty="0" smtClean="0">
-              <a:solidFill>
-                <a:sysClr val="windowText" lastClr="000000"/>
-              </a:solidFill>
-              <a:latin typeface="Avenir Light" charset="0"/>
-              <a:ea typeface="Avenir Light" charset="0"/>
-              <a:cs typeface="Avenir Light" charset="0"/>
-            </a:endParaRPr>
-          </a:p>
-          <a:p>
-            <a:r>
-              <a:rPr lang="en-US" sz="1000" dirty="0" smtClean="0">
-                <a:solidFill>
-                  <a:sysClr val="windowText" lastClr="000000"/>
-                </a:solidFill>
-                <a:latin typeface="Avenir Light" charset="0"/>
-                <a:ea typeface="Avenir Light" charset="0"/>
-                <a:cs typeface="Avenir Light" charset="0"/>
-              </a:rPr>
-              <a:t>CATIA</a:t>
-            </a:r>
-            <a:endParaRPr lang="en-US" sz="1000" dirty="0">
-              <a:solidFill>
-                <a:sysClr val="windowText" lastClr="000000"/>
-              </a:solidFill>
-              <a:latin typeface="Avenir Light" charset="0"/>
-              <a:ea typeface="Avenir Light" charset="0"/>
-              <a:cs typeface="Avenir Light" charset="0"/>
-            </a:endParaRPr>
-          </a:p>
-        </p:txBody>
-      </p:sp>
-      <p:sp>
-        <p:nvSpPr>
-          <p:cNvPr id="41" name="TextBox 40"/>
-          <p:cNvSpPr txBox="1"/>
-          <p:nvPr/>
-        </p:nvSpPr>
-        <p:spPr>
-          <a:xfrm>
-            <a:off x="3159386" y="8085842"/>
-            <a:ext cx="1005840" cy="861774"/>
-          </a:xfrm>
-          <a:prstGeom prst="rect">
-            <a:avLst/>
-          </a:prstGeom>
-          <a:noFill/>
-          <a:ln>
-            <a:noFill/>
-          </a:ln>
-        </p:spPr>
-        <p:txBody>
-          <a:bodyPr wrap="square" rtlCol="0" anchor="b">
-            <a:spAutoFit/>
-          </a:bodyPr>
-          <a:lstStyle/>
-          <a:p>
-            <a:endParaRPr lang="en-US" sz="1000" dirty="0" smtClean="0">
-              <a:solidFill>
-                <a:sysClr val="windowText" lastClr="000000"/>
-              </a:solidFill>
-              <a:latin typeface="Avenir Black" charset="0"/>
-              <a:ea typeface="Avenir Black" charset="0"/>
-              <a:cs typeface="Avenir Black" charset="0"/>
-            </a:endParaRPr>
-          </a:p>
-          <a:p>
-            <a:r>
-              <a:rPr lang="en-US" sz="1000" dirty="0" smtClean="0">
-                <a:solidFill>
-                  <a:sysClr val="windowText" lastClr="000000"/>
-                </a:solidFill>
-                <a:latin typeface="Avenir Light" charset="0"/>
-                <a:ea typeface="Avenir Light" charset="0"/>
-                <a:cs typeface="Avenir Light" charset="0"/>
-              </a:rPr>
-              <a:t>Docker</a:t>
-            </a:r>
-          </a:p>
-          <a:p>
-            <a:r>
-              <a:rPr lang="en-US" sz="1000" dirty="0" smtClean="0">
-                <a:solidFill>
-                  <a:sysClr val="windowText" lastClr="000000"/>
-                </a:solidFill>
-                <a:latin typeface="Avenir Light" charset="0"/>
-                <a:ea typeface="Avenir Light" charset="0"/>
-                <a:cs typeface="Avenir Light" charset="0"/>
-              </a:rPr>
-              <a:t>Unix</a:t>
-            </a:r>
-          </a:p>
-          <a:p>
-            <a:r>
-              <a:rPr lang="en-US" sz="1000" dirty="0" smtClean="0">
-                <a:solidFill>
-                  <a:sysClr val="windowText" lastClr="000000"/>
-                </a:solidFill>
-                <a:latin typeface="Avenir Light" charset="0"/>
-                <a:ea typeface="Avenir Light" charset="0"/>
-                <a:cs typeface="Avenir Light" charset="0"/>
-              </a:rPr>
-              <a:t>AWS</a:t>
-            </a:r>
-          </a:p>
-          <a:p>
-            <a:r>
-              <a:rPr lang="en-US" sz="1000" dirty="0" smtClean="0">
-                <a:solidFill>
-                  <a:sysClr val="windowText" lastClr="000000"/>
-                </a:solidFill>
-                <a:latin typeface="Avenir Light" charset="0"/>
-                <a:ea typeface="Avenir Light" charset="0"/>
-                <a:cs typeface="Avenir Light" charset="0"/>
-              </a:rPr>
-              <a:t>Nginx</a:t>
-            </a:r>
           </a:p>
         </p:txBody>
       </p:sp>
@@ -5272,7 +5537,7 @@
   <p:timing>
     <p:tnLst>
       <p:par>
-        <p:cTn id="1" dur="indefinite" restart="never" nodeType="tmRoot"/>
+        <p:cTn xmlns:p14="http://schemas.microsoft.com/office/powerpoint/2010/main" id="1" dur="indefinite" restart="never" nodeType="tmRoot"/>
       </p:par>
     </p:tnLst>
   </p:timing>
@@ -5322,7 +5587,7 @@
     </a:clrScheme>
     <a:fontScheme name="Office Theme">
       <a:majorFont>
-        <a:latin typeface="Calibri Light" panose="020F0302020204030204"/>
+        <a:latin typeface="Calibri Light"/>
         <a:ea typeface=""/>
         <a:cs typeface=""/>
         <a:font script="Jpan" typeface="游ゴシック Light"/>
@@ -5357,7 +5622,7 @@
         <a:font script="Geor" typeface="Sylfaen"/>
       </a:majorFont>
       <a:minorFont>
-        <a:latin typeface="Calibri" panose="020F0502020204030204"/>
+        <a:latin typeface="Calibri"/>
         <a:ea typeface=""/>
         <a:cs typeface=""/>
         <a:font script="Jpan" typeface="游ゴシック"/>
@@ -5534,7 +5799,7 @@
   <a:extraClrSchemeLst/>
   <a:extLst>
     <a:ext uri="{05A4C25C-085E-4340-85A3-A5531E510DB2}">
-      <thm15:themeFamily xmlns:thm15="http://schemas.microsoft.com/office/thememl/2012/main" name="Office Theme" id="{62F939B6-93AF-4DB8-9C6B-D6C7DFDC589F}" vid="{4A3C46E8-61CC-4603-A589-7422A47A8E4A}"/>
+      <thm15:themeFamily xmlns="" xmlns:thm15="http://schemas.microsoft.com/office/thememl/2012/main" name="Office Theme" id="{62F939B6-93AF-4DB8-9C6B-D6C7DFDC589F}" vid="{4A3C46E8-61CC-4603-A589-7422A47A8E4A}"/>
     </a:ext>
   </a:extLst>
 </a:theme>
@@ -5583,7 +5848,7 @@
     </a:clrScheme>
     <a:fontScheme name="Office">
       <a:majorFont>
-        <a:latin typeface="Calibri Light" panose="020F0302020204030204"/>
+        <a:latin typeface="Calibri Light"/>
         <a:ea typeface=""/>
         <a:cs typeface=""/>
         <a:font script="Jpan" typeface="Yu Gothic Light"/>
@@ -5618,7 +5883,7 @@
         <a:font script="Geor" typeface="Sylfaen"/>
       </a:majorFont>
       <a:minorFont>
-        <a:latin typeface="Calibri" panose="020F0502020204030204"/>
+        <a:latin typeface="Calibri"/>
         <a:ea typeface=""/>
         <a:cs typeface=""/>
         <a:font script="Jpan" typeface="Yu Gothic"/>
@@ -5795,7 +6060,7 @@
   <a:extraClrSchemeLst/>
   <a:extLst>
     <a:ext uri="{05A4C25C-085E-4340-85A3-A5531E510DB2}">
-      <thm15:themeFamily xmlns:thm15="http://schemas.microsoft.com/office/thememl/2012/main" name="Office Theme" id="{62F939B6-93AF-4DB8-9C6B-D6C7DFDC589F}" vid="{4A3C46E8-61CC-4603-A589-7422A47A8E4A}"/>
+      <thm15:themeFamily xmlns="" xmlns:thm15="http://schemas.microsoft.com/office/thememl/2012/main" name="Office Theme" id="{62F939B6-93AF-4DB8-9C6B-D6C7DFDC589F}" vid="{4A3C46E8-61CC-4603-A589-7422A47A8E4A}"/>
     </a:ext>
   </a:extLst>
 </a:theme>
